--- a/Chap/Persist/Presentations/PersistencyGeneral.pptx
+++ b/Chap/Persist/Presentations/PersistencyGeneral.pptx
@@ -11,17 +11,9 @@
     <p:sldId id="342" r:id="rId5"/>
     <p:sldId id="343" r:id="rId6"/>
     <p:sldId id="348" r:id="rId7"/>
-    <p:sldId id="341" r:id="rId8"/>
-    <p:sldId id="335" r:id="rId9"/>
-    <p:sldId id="336" r:id="rId10"/>
-    <p:sldId id="338" r:id="rId11"/>
-    <p:sldId id="339" r:id="rId12"/>
-    <p:sldId id="337" r:id="rId13"/>
-    <p:sldId id="340" r:id="rId14"/>
-    <p:sldId id="344" r:id="rId15"/>
-    <p:sldId id="345" r:id="rId16"/>
-    <p:sldId id="346" r:id="rId17"/>
-    <p:sldId id="347" r:id="rId18"/>
+    <p:sldId id="335" r:id="rId8"/>
+    <p:sldId id="350" r:id="rId9"/>
+    <p:sldId id="351" r:id="rId10"/>
   </p:sldIdLst>
   <p:sldSz cx="12192000" cy="6858000"/>
   <p:notesSz cx="6858000" cy="9144000"/>
@@ -259,7 +251,7 @@
           <a:p>
             <a:fld id="{E15B7D8E-2A20-4C0E-991C-872DBB7459A8}" type="datetimeFigureOut">
               <a:rPr lang="da-DK" smtClean="0"/>
-              <a:t>27-02-2018</a:t>
+              <a:t>25-10-2018</a:t>
             </a:fld>
             <a:endParaRPr lang="da-DK"/>
           </a:p>
@@ -429,7 +421,7 @@
           <a:p>
             <a:fld id="{E15B7D8E-2A20-4C0E-991C-872DBB7459A8}" type="datetimeFigureOut">
               <a:rPr lang="da-DK" smtClean="0"/>
-              <a:t>27-02-2018</a:t>
+              <a:t>25-10-2018</a:t>
             </a:fld>
             <a:endParaRPr lang="da-DK"/>
           </a:p>
@@ -609,7 +601,7 @@
           <a:p>
             <a:fld id="{E15B7D8E-2A20-4C0E-991C-872DBB7459A8}" type="datetimeFigureOut">
               <a:rPr lang="da-DK" smtClean="0"/>
-              <a:t>27-02-2018</a:t>
+              <a:t>25-10-2018</a:t>
             </a:fld>
             <a:endParaRPr lang="da-DK"/>
           </a:p>
@@ -779,7 +771,7 @@
           <a:p>
             <a:fld id="{E15B7D8E-2A20-4C0E-991C-872DBB7459A8}" type="datetimeFigureOut">
               <a:rPr lang="da-DK" smtClean="0"/>
-              <a:t>27-02-2018</a:t>
+              <a:t>25-10-2018</a:t>
             </a:fld>
             <a:endParaRPr lang="da-DK"/>
           </a:p>
@@ -1025,7 +1017,7 @@
           <a:p>
             <a:fld id="{E15B7D8E-2A20-4C0E-991C-872DBB7459A8}" type="datetimeFigureOut">
               <a:rPr lang="da-DK" smtClean="0"/>
-              <a:t>27-02-2018</a:t>
+              <a:t>25-10-2018</a:t>
             </a:fld>
             <a:endParaRPr lang="da-DK"/>
           </a:p>
@@ -1257,7 +1249,7 @@
           <a:p>
             <a:fld id="{E15B7D8E-2A20-4C0E-991C-872DBB7459A8}" type="datetimeFigureOut">
               <a:rPr lang="da-DK" smtClean="0"/>
-              <a:t>27-02-2018</a:t>
+              <a:t>25-10-2018</a:t>
             </a:fld>
             <a:endParaRPr lang="da-DK"/>
           </a:p>
@@ -1624,7 +1616,7 @@
           <a:p>
             <a:fld id="{E15B7D8E-2A20-4C0E-991C-872DBB7459A8}" type="datetimeFigureOut">
               <a:rPr lang="da-DK" smtClean="0"/>
-              <a:t>27-02-2018</a:t>
+              <a:t>25-10-2018</a:t>
             </a:fld>
             <a:endParaRPr lang="da-DK"/>
           </a:p>
@@ -1742,7 +1734,7 @@
           <a:p>
             <a:fld id="{E15B7D8E-2A20-4C0E-991C-872DBB7459A8}" type="datetimeFigureOut">
               <a:rPr lang="da-DK" smtClean="0"/>
-              <a:t>27-02-2018</a:t>
+              <a:t>25-10-2018</a:t>
             </a:fld>
             <a:endParaRPr lang="da-DK"/>
           </a:p>
@@ -1837,7 +1829,7 @@
           <a:p>
             <a:fld id="{E15B7D8E-2A20-4C0E-991C-872DBB7459A8}" type="datetimeFigureOut">
               <a:rPr lang="da-DK" smtClean="0"/>
-              <a:t>27-02-2018</a:t>
+              <a:t>25-10-2018</a:t>
             </a:fld>
             <a:endParaRPr lang="da-DK"/>
           </a:p>
@@ -2114,7 +2106,7 @@
           <a:p>
             <a:fld id="{E15B7D8E-2A20-4C0E-991C-872DBB7459A8}" type="datetimeFigureOut">
               <a:rPr lang="da-DK" smtClean="0"/>
-              <a:t>27-02-2018</a:t>
+              <a:t>25-10-2018</a:t>
             </a:fld>
             <a:endParaRPr lang="da-DK"/>
           </a:p>
@@ -2367,7 +2359,7 @@
           <a:p>
             <a:fld id="{E15B7D8E-2A20-4C0E-991C-872DBB7459A8}" type="datetimeFigureOut">
               <a:rPr lang="da-DK" smtClean="0"/>
-              <a:t>27-02-2018</a:t>
+              <a:t>25-10-2018</a:t>
             </a:fld>
             <a:endParaRPr lang="da-DK"/>
           </a:p>
@@ -2580,7 +2572,7 @@
           <a:p>
             <a:fld id="{E15B7D8E-2A20-4C0E-991C-872DBB7459A8}" type="datetimeFigureOut">
               <a:rPr lang="da-DK" smtClean="0"/>
-              <a:t>27-02-2018</a:t>
+              <a:t>25-10-2018</a:t>
             </a:fld>
             <a:endParaRPr lang="da-DK"/>
           </a:p>
@@ -3035,3392 +3027,6 @@
 </p:sld>
 </file>
 
-<file path=ppt/slides/slide10.xml><?xml version="1.0" encoding="utf-8"?>
-<p:sld xmlns:a="http://schemas.openxmlformats.org/drawingml/2006/main" xmlns:r="http://schemas.openxmlformats.org/officeDocument/2006/relationships" xmlns:p="http://schemas.openxmlformats.org/presentationml/2006/main">
-  <p:cSld>
-    <p:spTree>
-      <p:nvGrpSpPr>
-        <p:cNvPr id="1" name=""/>
-        <p:cNvGrpSpPr/>
-        <p:nvPr/>
-      </p:nvGrpSpPr>
-      <p:grpSpPr>
-        <a:xfrm>
-          <a:off x="0" y="0"/>
-          <a:ext cx="0" cy="0"/>
-          <a:chOff x="0" y="0"/>
-          <a:chExt cx="0" cy="0"/>
-        </a:xfrm>
-      </p:grpSpPr>
-      <p:sp>
-        <p:nvSpPr>
-          <p:cNvPr id="19" name="Afrundet rektangel 18"/>
-          <p:cNvSpPr/>
-          <p:nvPr/>
-        </p:nvSpPr>
-        <p:spPr>
-          <a:xfrm>
-            <a:off x="291253" y="528320"/>
-            <a:ext cx="4768427" cy="3474720"/>
-          </a:xfrm>
-          <a:prstGeom prst="roundRect">
-            <a:avLst/>
-          </a:prstGeom>
-        </p:spPr>
-        <p:style>
-          <a:lnRef idx="2">
-            <a:schemeClr val="accent1">
-              <a:shade val="50000"/>
-            </a:schemeClr>
-          </a:lnRef>
-          <a:fillRef idx="1">
-            <a:schemeClr val="accent1"/>
-          </a:fillRef>
-          <a:effectRef idx="0">
-            <a:schemeClr val="accent1"/>
-          </a:effectRef>
-          <a:fontRef idx="minor">
-            <a:schemeClr val="lt1"/>
-          </a:fontRef>
-        </p:style>
-        <p:txBody>
-          <a:bodyPr rtlCol="0" anchor="ctr"/>
-          <a:lstStyle/>
-          <a:p>
-            <a:pPr algn="r"/>
-            <a:r>
-              <a:rPr lang="da-DK" sz="3200" smtClean="0">
-                <a:solidFill>
-                  <a:srgbClr val="FFFF00"/>
-                </a:solidFill>
-              </a:rPr>
-              <a:t>App</a:t>
-            </a:r>
-            <a:endParaRPr lang="da-DK" sz="3200">
-              <a:solidFill>
-                <a:srgbClr val="FFFF00"/>
-              </a:solidFill>
-            </a:endParaRPr>
-          </a:p>
-        </p:txBody>
-      </p:sp>
-      <p:sp>
-        <p:nvSpPr>
-          <p:cNvPr id="13" name="Afrundet rektangel 12"/>
-          <p:cNvSpPr/>
-          <p:nvPr/>
-        </p:nvSpPr>
-        <p:spPr>
-          <a:xfrm>
-            <a:off x="965813" y="2885478"/>
-            <a:ext cx="3031958" cy="741342"/>
-          </a:xfrm>
-          <a:prstGeom prst="roundRect">
-            <a:avLst/>
-          </a:prstGeom>
-          <a:solidFill>
-            <a:srgbClr val="C00000"/>
-          </a:solidFill>
-        </p:spPr>
-        <p:style>
-          <a:lnRef idx="2">
-            <a:schemeClr val="accent1">
-              <a:shade val="50000"/>
-            </a:schemeClr>
-          </a:lnRef>
-          <a:fillRef idx="1">
-            <a:schemeClr val="accent1"/>
-          </a:fillRef>
-          <a:effectRef idx="0">
-            <a:schemeClr val="accent1"/>
-          </a:effectRef>
-          <a:fontRef idx="minor">
-            <a:schemeClr val="lt1"/>
-          </a:fontRef>
-        </p:style>
-        <p:txBody>
-          <a:bodyPr rtlCol="0" anchor="ctr"/>
-          <a:lstStyle/>
-          <a:p>
-            <a:pPr algn="ctr"/>
-            <a:r>
-              <a:rPr lang="da-DK" sz="2400" smtClean="0"/>
-              <a:t>Model</a:t>
-            </a:r>
-          </a:p>
-        </p:txBody>
-      </p:sp>
-      <p:sp>
-        <p:nvSpPr>
-          <p:cNvPr id="9" name="Afrundet rektangel 8"/>
-          <p:cNvSpPr/>
-          <p:nvPr/>
-        </p:nvSpPr>
-        <p:spPr>
-          <a:xfrm>
-            <a:off x="6346658" y="2695787"/>
-            <a:ext cx="5528509" cy="3957676"/>
-          </a:xfrm>
-          <a:prstGeom prst="roundRect">
-            <a:avLst/>
-          </a:prstGeom>
-          <a:solidFill>
-            <a:schemeClr val="tx1">
-              <a:lumMod val="75000"/>
-              <a:lumOff val="25000"/>
-            </a:schemeClr>
-          </a:solidFill>
-          <a:ln>
-            <a:solidFill>
-              <a:schemeClr val="bg1">
-                <a:lumMod val="50000"/>
-              </a:schemeClr>
-            </a:solidFill>
-          </a:ln>
-        </p:spPr>
-        <p:style>
-          <a:lnRef idx="2">
-            <a:schemeClr val="accent1">
-              <a:shade val="50000"/>
-            </a:schemeClr>
-          </a:lnRef>
-          <a:fillRef idx="1">
-            <a:schemeClr val="accent1"/>
-          </a:fillRef>
-          <a:effectRef idx="0">
-            <a:schemeClr val="accent1"/>
-          </a:effectRef>
-          <a:fontRef idx="minor">
-            <a:schemeClr val="lt1"/>
-          </a:fontRef>
-        </p:style>
-        <p:txBody>
-          <a:bodyPr rtlCol="0" anchor="ctr"/>
-          <a:lstStyle/>
-          <a:p>
-            <a:r>
-              <a:rPr lang="da-DK" sz="3200" smtClean="0">
-                <a:solidFill>
-                  <a:srgbClr val="FFFF00"/>
-                </a:solidFill>
-              </a:rPr>
-              <a:t>Server</a:t>
-            </a:r>
-            <a:endParaRPr lang="da-DK" sz="3200">
-              <a:solidFill>
-                <a:srgbClr val="FFFF00"/>
-              </a:solidFill>
-            </a:endParaRPr>
-          </a:p>
-        </p:txBody>
-      </p:sp>
-      <p:sp>
-        <p:nvSpPr>
-          <p:cNvPr id="5" name="Afrundet rektangel 4"/>
-          <p:cNvSpPr/>
-          <p:nvPr/>
-        </p:nvSpPr>
-        <p:spPr>
-          <a:xfrm>
-            <a:off x="8012475" y="2885478"/>
-            <a:ext cx="3031958" cy="741342"/>
-          </a:xfrm>
-          <a:prstGeom prst="roundRect">
-            <a:avLst/>
-          </a:prstGeom>
-          <a:solidFill>
-            <a:srgbClr val="C00000"/>
-          </a:solidFill>
-        </p:spPr>
-        <p:style>
-          <a:lnRef idx="2">
-            <a:schemeClr val="accent1">
-              <a:shade val="50000"/>
-            </a:schemeClr>
-          </a:lnRef>
-          <a:fillRef idx="1">
-            <a:schemeClr val="accent1"/>
-          </a:fillRef>
-          <a:effectRef idx="0">
-            <a:schemeClr val="accent1"/>
-          </a:effectRef>
-          <a:fontRef idx="minor">
-            <a:schemeClr val="lt1"/>
-          </a:fontRef>
-        </p:style>
-        <p:txBody>
-          <a:bodyPr rtlCol="0" anchor="ctr"/>
-          <a:lstStyle/>
-          <a:p>
-            <a:pPr algn="ctr"/>
-            <a:r>
-              <a:rPr lang="da-DK" sz="2400" smtClean="0"/>
-              <a:t>Web Service</a:t>
-            </a:r>
-          </a:p>
-        </p:txBody>
-      </p:sp>
-      <p:sp>
-        <p:nvSpPr>
-          <p:cNvPr id="2" name="Magnetpladelager 1"/>
-          <p:cNvSpPr/>
-          <p:nvPr/>
-        </p:nvSpPr>
-        <p:spPr>
-          <a:xfrm>
-            <a:off x="8079204" y="5425440"/>
-            <a:ext cx="3031958" cy="1047550"/>
-          </a:xfrm>
-          <a:prstGeom prst="flowChartMagneticDisk">
-            <a:avLst/>
-          </a:prstGeom>
-          <a:solidFill>
-            <a:schemeClr val="accent6">
-              <a:lumMod val="75000"/>
-            </a:schemeClr>
-          </a:solidFill>
-        </p:spPr>
-        <p:style>
-          <a:lnRef idx="2">
-            <a:schemeClr val="accent1">
-              <a:shade val="50000"/>
-            </a:schemeClr>
-          </a:lnRef>
-          <a:fillRef idx="1">
-            <a:schemeClr val="accent1"/>
-          </a:fillRef>
-          <a:effectRef idx="0">
-            <a:schemeClr val="accent1"/>
-          </a:effectRef>
-          <a:fontRef idx="minor">
-            <a:schemeClr val="lt1"/>
-          </a:fontRef>
-        </p:style>
-        <p:txBody>
-          <a:bodyPr rtlCol="0" anchor="ctr"/>
-          <a:lstStyle/>
-          <a:p>
-            <a:pPr algn="ctr"/>
-            <a:r>
-              <a:rPr lang="da-DK" sz="2800" smtClean="0"/>
-              <a:t>Database</a:t>
-            </a:r>
-            <a:endParaRPr lang="da-DK" sz="2800"/>
-          </a:p>
-        </p:txBody>
-      </p:sp>
-      <p:sp>
-        <p:nvSpPr>
-          <p:cNvPr id="11" name="Afrundet rektangel 10"/>
-          <p:cNvSpPr/>
-          <p:nvPr/>
-        </p:nvSpPr>
-        <p:spPr>
-          <a:xfrm>
-            <a:off x="8012475" y="4209954"/>
-            <a:ext cx="3031958" cy="741342"/>
-          </a:xfrm>
-          <a:prstGeom prst="roundRect">
-            <a:avLst/>
-          </a:prstGeom>
-          <a:solidFill>
-            <a:schemeClr val="accent5">
-              <a:lumMod val="75000"/>
-            </a:schemeClr>
-          </a:solidFill>
-        </p:spPr>
-        <p:style>
-          <a:lnRef idx="2">
-            <a:schemeClr val="accent1">
-              <a:shade val="50000"/>
-            </a:schemeClr>
-          </a:lnRef>
-          <a:fillRef idx="1">
-            <a:schemeClr val="accent1"/>
-          </a:fillRef>
-          <a:effectRef idx="0">
-            <a:schemeClr val="accent1"/>
-          </a:effectRef>
-          <a:fontRef idx="minor">
-            <a:schemeClr val="lt1"/>
-          </a:fontRef>
-        </p:style>
-        <p:txBody>
-          <a:bodyPr rtlCol="0" anchor="ctr"/>
-          <a:lstStyle/>
-          <a:p>
-            <a:pPr algn="ctr"/>
-            <a:r>
-              <a:rPr lang="da-DK" sz="2400" smtClean="0"/>
-              <a:t>Entity Framework</a:t>
-            </a:r>
-          </a:p>
-        </p:txBody>
-      </p:sp>
-      <p:sp>
-        <p:nvSpPr>
-          <p:cNvPr id="12" name="Opad-nedadgående pil 11"/>
-          <p:cNvSpPr/>
-          <p:nvPr/>
-        </p:nvSpPr>
-        <p:spPr>
-          <a:xfrm>
-            <a:off x="9228220" y="4792526"/>
-            <a:ext cx="733926" cy="1009853"/>
-          </a:xfrm>
-          <a:prstGeom prst="upDownArrow">
-            <a:avLst/>
-          </a:prstGeom>
-          <a:solidFill>
-            <a:schemeClr val="tx1">
-              <a:lumMod val="65000"/>
-              <a:lumOff val="35000"/>
-            </a:schemeClr>
-          </a:solidFill>
-        </p:spPr>
-        <p:style>
-          <a:lnRef idx="2">
-            <a:schemeClr val="accent1">
-              <a:shade val="50000"/>
-            </a:schemeClr>
-          </a:lnRef>
-          <a:fillRef idx="1">
-            <a:schemeClr val="accent1"/>
-          </a:fillRef>
-          <a:effectRef idx="0">
-            <a:schemeClr val="accent1"/>
-          </a:effectRef>
-          <a:fontRef idx="minor">
-            <a:schemeClr val="lt1"/>
-          </a:fontRef>
-        </p:style>
-        <p:txBody>
-          <a:bodyPr rtlCol="0" anchor="ctr"/>
-          <a:lstStyle/>
-          <a:p>
-            <a:pPr algn="ctr"/>
-            <a:endParaRPr lang="da-DK"/>
-          </a:p>
-        </p:txBody>
-      </p:sp>
-      <p:sp>
-        <p:nvSpPr>
-          <p:cNvPr id="6" name="Højre-venstrepil 5"/>
-          <p:cNvSpPr/>
-          <p:nvPr/>
-        </p:nvSpPr>
-        <p:spPr>
-          <a:xfrm>
-            <a:off x="3793068" y="2823012"/>
-            <a:ext cx="4355252" cy="866274"/>
-          </a:xfrm>
-          <a:prstGeom prst="leftRightArrow">
-            <a:avLst/>
-          </a:prstGeom>
-          <a:solidFill>
-            <a:schemeClr val="tx1">
-              <a:lumMod val="65000"/>
-              <a:lumOff val="35000"/>
-            </a:schemeClr>
-          </a:solidFill>
-        </p:spPr>
-        <p:style>
-          <a:lnRef idx="2">
-            <a:schemeClr val="accent1">
-              <a:shade val="50000"/>
-            </a:schemeClr>
-          </a:lnRef>
-          <a:fillRef idx="1">
-            <a:schemeClr val="accent1"/>
-          </a:fillRef>
-          <a:effectRef idx="0">
-            <a:schemeClr val="accent1"/>
-          </a:effectRef>
-          <a:fontRef idx="minor">
-            <a:schemeClr val="lt1"/>
-          </a:fontRef>
-        </p:style>
-        <p:txBody>
-          <a:bodyPr rtlCol="0" anchor="ctr"/>
-          <a:lstStyle/>
-          <a:p>
-            <a:pPr algn="ctr"/>
-            <a:endParaRPr lang="da-DK"/>
-          </a:p>
-        </p:txBody>
-      </p:sp>
-      <p:sp>
-        <p:nvSpPr>
-          <p:cNvPr id="10" name="Opad-nedadgående pil 9"/>
-          <p:cNvSpPr/>
-          <p:nvPr/>
-        </p:nvSpPr>
-        <p:spPr>
-          <a:xfrm>
-            <a:off x="9206274" y="3413461"/>
-            <a:ext cx="733926" cy="1009853"/>
-          </a:xfrm>
-          <a:prstGeom prst="upDownArrow">
-            <a:avLst/>
-          </a:prstGeom>
-          <a:solidFill>
-            <a:schemeClr val="tx1">
-              <a:lumMod val="65000"/>
-              <a:lumOff val="35000"/>
-            </a:schemeClr>
-          </a:solidFill>
-        </p:spPr>
-        <p:style>
-          <a:lnRef idx="2">
-            <a:schemeClr val="accent1">
-              <a:shade val="50000"/>
-            </a:schemeClr>
-          </a:lnRef>
-          <a:fillRef idx="1">
-            <a:schemeClr val="accent1"/>
-          </a:fillRef>
-          <a:effectRef idx="0">
-            <a:schemeClr val="accent1"/>
-          </a:effectRef>
-          <a:fontRef idx="minor">
-            <a:schemeClr val="lt1"/>
-          </a:fontRef>
-        </p:style>
-        <p:txBody>
-          <a:bodyPr rtlCol="0" anchor="ctr"/>
-          <a:lstStyle/>
-          <a:p>
-            <a:pPr algn="ctr"/>
-            <a:endParaRPr lang="da-DK"/>
-          </a:p>
-        </p:txBody>
-      </p:sp>
-      <p:sp>
-        <p:nvSpPr>
-          <p:cNvPr id="14" name="Afrundet rektangel 13"/>
-          <p:cNvSpPr/>
-          <p:nvPr/>
-        </p:nvSpPr>
-        <p:spPr>
-          <a:xfrm>
-            <a:off x="997852" y="1954445"/>
-            <a:ext cx="3031958" cy="741342"/>
-          </a:xfrm>
-          <a:prstGeom prst="roundRect">
-            <a:avLst/>
-          </a:prstGeom>
-          <a:solidFill>
-            <a:schemeClr val="accent4">
-              <a:lumMod val="75000"/>
-            </a:schemeClr>
-          </a:solidFill>
-        </p:spPr>
-        <p:style>
-          <a:lnRef idx="2">
-            <a:schemeClr val="accent1">
-              <a:shade val="50000"/>
-            </a:schemeClr>
-          </a:lnRef>
-          <a:fillRef idx="1">
-            <a:schemeClr val="accent1"/>
-          </a:fillRef>
-          <a:effectRef idx="0">
-            <a:schemeClr val="accent1"/>
-          </a:effectRef>
-          <a:fontRef idx="minor">
-            <a:schemeClr val="lt1"/>
-          </a:fontRef>
-        </p:style>
-        <p:txBody>
-          <a:bodyPr rtlCol="0" anchor="ctr"/>
-          <a:lstStyle/>
-          <a:p>
-            <a:pPr algn="ctr"/>
-            <a:r>
-              <a:rPr lang="da-DK" sz="2400" smtClean="0"/>
-              <a:t>ViewModel</a:t>
-            </a:r>
-          </a:p>
-        </p:txBody>
-      </p:sp>
-      <p:sp>
-        <p:nvSpPr>
-          <p:cNvPr id="16" name="Afrundet rektangel 15"/>
-          <p:cNvSpPr/>
-          <p:nvPr/>
-        </p:nvSpPr>
-        <p:spPr>
-          <a:xfrm>
-            <a:off x="997852" y="1023412"/>
-            <a:ext cx="3031958" cy="741342"/>
-          </a:xfrm>
-          <a:prstGeom prst="roundRect">
-            <a:avLst/>
-          </a:prstGeom>
-          <a:solidFill>
-            <a:schemeClr val="accent4">
-              <a:lumMod val="60000"/>
-              <a:lumOff val="40000"/>
-            </a:schemeClr>
-          </a:solidFill>
-        </p:spPr>
-        <p:style>
-          <a:lnRef idx="2">
-            <a:schemeClr val="accent1">
-              <a:shade val="50000"/>
-            </a:schemeClr>
-          </a:lnRef>
-          <a:fillRef idx="1">
-            <a:schemeClr val="accent1"/>
-          </a:fillRef>
-          <a:effectRef idx="0">
-            <a:schemeClr val="accent1"/>
-          </a:effectRef>
-          <a:fontRef idx="minor">
-            <a:schemeClr val="lt1"/>
-          </a:fontRef>
-        </p:style>
-        <p:txBody>
-          <a:bodyPr rtlCol="0" anchor="ctr"/>
-          <a:lstStyle/>
-          <a:p>
-            <a:pPr algn="ctr"/>
-            <a:r>
-              <a:rPr lang="da-DK" sz="2400" smtClean="0">
-                <a:solidFill>
-                  <a:schemeClr val="tx1"/>
-                </a:solidFill>
-              </a:rPr>
-              <a:t>View</a:t>
-            </a:r>
-          </a:p>
-        </p:txBody>
-      </p:sp>
-      <p:sp>
-        <p:nvSpPr>
-          <p:cNvPr id="17" name="Opad-nedadgående pil 16"/>
-          <p:cNvSpPr/>
-          <p:nvPr/>
-        </p:nvSpPr>
-        <p:spPr>
-          <a:xfrm>
-            <a:off x="2346667" y="2486207"/>
-            <a:ext cx="339212" cy="608852"/>
-          </a:xfrm>
-          <a:prstGeom prst="upDownArrow">
-            <a:avLst/>
-          </a:prstGeom>
-          <a:solidFill>
-            <a:schemeClr val="tx1">
-              <a:lumMod val="65000"/>
-              <a:lumOff val="35000"/>
-            </a:schemeClr>
-          </a:solidFill>
-        </p:spPr>
-        <p:style>
-          <a:lnRef idx="2">
-            <a:schemeClr val="accent1">
-              <a:shade val="50000"/>
-            </a:schemeClr>
-          </a:lnRef>
-          <a:fillRef idx="1">
-            <a:schemeClr val="accent1"/>
-          </a:fillRef>
-          <a:effectRef idx="0">
-            <a:schemeClr val="accent1"/>
-          </a:effectRef>
-          <a:fontRef idx="minor">
-            <a:schemeClr val="lt1"/>
-          </a:fontRef>
-        </p:style>
-        <p:txBody>
-          <a:bodyPr rtlCol="0" anchor="ctr"/>
-          <a:lstStyle/>
-          <a:p>
-            <a:pPr algn="ctr"/>
-            <a:endParaRPr lang="da-DK"/>
-          </a:p>
-        </p:txBody>
-      </p:sp>
-      <p:sp>
-        <p:nvSpPr>
-          <p:cNvPr id="18" name="Opad-nedadgående pil 17"/>
-          <p:cNvSpPr/>
-          <p:nvPr/>
-        </p:nvSpPr>
-        <p:spPr>
-          <a:xfrm>
-            <a:off x="2343533" y="1568827"/>
-            <a:ext cx="339212" cy="608852"/>
-          </a:xfrm>
-          <a:prstGeom prst="upDownArrow">
-            <a:avLst/>
-          </a:prstGeom>
-          <a:solidFill>
-            <a:schemeClr val="tx1">
-              <a:lumMod val="65000"/>
-              <a:lumOff val="35000"/>
-            </a:schemeClr>
-          </a:solidFill>
-        </p:spPr>
-        <p:style>
-          <a:lnRef idx="2">
-            <a:schemeClr val="accent1">
-              <a:shade val="50000"/>
-            </a:schemeClr>
-          </a:lnRef>
-          <a:fillRef idx="1">
-            <a:schemeClr val="accent1"/>
-          </a:fillRef>
-          <a:effectRef idx="0">
-            <a:schemeClr val="accent1"/>
-          </a:effectRef>
-          <a:fontRef idx="minor">
-            <a:schemeClr val="lt1"/>
-          </a:fontRef>
-        </p:style>
-        <p:txBody>
-          <a:bodyPr rtlCol="0" anchor="ctr"/>
-          <a:lstStyle/>
-          <a:p>
-            <a:pPr algn="ctr"/>
-            <a:endParaRPr lang="da-DK"/>
-          </a:p>
-        </p:txBody>
-      </p:sp>
-    </p:spTree>
-    <p:extLst>
-      <p:ext uri="{BB962C8B-B14F-4D97-AF65-F5344CB8AC3E}">
-        <p14:creationId xmlns:p14="http://schemas.microsoft.com/office/powerpoint/2010/main" val="1290963222"/>
-      </p:ext>
-    </p:extLst>
-  </p:cSld>
-  <p:clrMapOvr>
-    <a:masterClrMapping/>
-  </p:clrMapOvr>
-  <mc:AlternateContent xmlns:mc="http://schemas.openxmlformats.org/markup-compatibility/2006" xmlns:p14="http://schemas.microsoft.com/office/powerpoint/2010/main">
-    <mc:Choice Requires="p14">
-      <p:transition spd="med" p14:dur="700">
-        <p:fade/>
-      </p:transition>
-    </mc:Choice>
-    <mc:Fallback xmlns="">
-      <p:transition spd="med">
-        <p:fade/>
-      </p:transition>
-    </mc:Fallback>
-  </mc:AlternateContent>
-  <p:timing>
-    <p:tnLst>
-      <p:par>
-        <p:cTn id="1" dur="indefinite" restart="never" nodeType="tmRoot">
-          <p:childTnLst>
-            <p:seq concurrent="1" nextAc="seek">
-              <p:cTn id="2" dur="indefinite" nodeType="mainSeq">
-                <p:childTnLst>
-                  <p:par>
-                    <p:cTn id="3" fill="hold">
-                      <p:stCondLst>
-                        <p:cond delay="indefinite"/>
-                      </p:stCondLst>
-                      <p:childTnLst>
-                        <p:par>
-                          <p:cTn id="4" fill="hold">
-                            <p:stCondLst>
-                              <p:cond delay="0"/>
-                            </p:stCondLst>
-                            <p:childTnLst>
-                              <p:par>
-                                <p:cTn id="5" presetID="10" presetClass="entr" presetSubtype="0" fill="hold" grpId="0" nodeType="clickEffect">
-                                  <p:stCondLst>
-                                    <p:cond delay="0"/>
-                                  </p:stCondLst>
-                                  <p:childTnLst>
-                                    <p:set>
-                                      <p:cBhvr>
-                                        <p:cTn id="6" dur="1" fill="hold">
-                                          <p:stCondLst>
-                                            <p:cond delay="0"/>
-                                          </p:stCondLst>
-                                        </p:cTn>
-                                        <p:tgtEl>
-                                          <p:spTgt spid="6"/>
-                                        </p:tgtEl>
-                                        <p:attrNameLst>
-                                          <p:attrName>style.visibility</p:attrName>
-                                        </p:attrNameLst>
-                                      </p:cBhvr>
-                                      <p:to>
-                                        <p:strVal val="visible"/>
-                                      </p:to>
-                                    </p:set>
-                                    <p:animEffect transition="in" filter="fade">
-                                      <p:cBhvr>
-                                        <p:cTn id="7" dur="500"/>
-                                        <p:tgtEl>
-                                          <p:spTgt spid="6"/>
-                                        </p:tgtEl>
-                                      </p:cBhvr>
-                                    </p:animEffect>
-                                  </p:childTnLst>
-                                </p:cTn>
-                              </p:par>
-                            </p:childTnLst>
-                          </p:cTn>
-                        </p:par>
-                      </p:childTnLst>
-                    </p:cTn>
-                  </p:par>
-                </p:childTnLst>
-              </p:cTn>
-              <p:prevCondLst>
-                <p:cond evt="onPrev" delay="0">
-                  <p:tgtEl>
-                    <p:sldTgt/>
-                  </p:tgtEl>
-                </p:cond>
-              </p:prevCondLst>
-              <p:nextCondLst>
-                <p:cond evt="onNext" delay="0">
-                  <p:tgtEl>
-                    <p:sldTgt/>
-                  </p:tgtEl>
-                </p:cond>
-              </p:nextCondLst>
-            </p:seq>
-          </p:childTnLst>
-        </p:cTn>
-      </p:par>
-    </p:tnLst>
-    <p:bldLst>
-      <p:bldP spid="6" grpId="0" animBg="1"/>
-    </p:bldLst>
-  </p:timing>
-</p:sld>
-</file>
-
-<file path=ppt/slides/slide11.xml><?xml version="1.0" encoding="utf-8"?>
-<p:sld xmlns:a="http://schemas.openxmlformats.org/drawingml/2006/main" xmlns:r="http://schemas.openxmlformats.org/officeDocument/2006/relationships" xmlns:p="http://schemas.openxmlformats.org/presentationml/2006/main">
-  <p:cSld>
-    <p:spTree>
-      <p:nvGrpSpPr>
-        <p:cNvPr id="1" name=""/>
-        <p:cNvGrpSpPr/>
-        <p:nvPr/>
-      </p:nvGrpSpPr>
-      <p:grpSpPr>
-        <a:xfrm>
-          <a:off x="0" y="0"/>
-          <a:ext cx="0" cy="0"/>
-          <a:chOff x="0" y="0"/>
-          <a:chExt cx="0" cy="0"/>
-        </a:xfrm>
-      </p:grpSpPr>
-      <p:sp>
-        <p:nvSpPr>
-          <p:cNvPr id="2" name="Magnetpladelager 1"/>
-          <p:cNvSpPr/>
-          <p:nvPr/>
-        </p:nvSpPr>
-        <p:spPr>
-          <a:xfrm>
-            <a:off x="7856620" y="2317082"/>
-            <a:ext cx="3031958" cy="1617245"/>
-          </a:xfrm>
-          <a:prstGeom prst="flowChartMagneticDisk">
-            <a:avLst/>
-          </a:prstGeom>
-          <a:solidFill>
-            <a:schemeClr val="accent6">
-              <a:lumMod val="75000"/>
-            </a:schemeClr>
-          </a:solidFill>
-        </p:spPr>
-        <p:style>
-          <a:lnRef idx="2">
-            <a:schemeClr val="accent1">
-              <a:shade val="50000"/>
-            </a:schemeClr>
-          </a:lnRef>
-          <a:fillRef idx="1">
-            <a:schemeClr val="accent1"/>
-          </a:fillRef>
-          <a:effectRef idx="0">
-            <a:schemeClr val="accent1"/>
-          </a:effectRef>
-          <a:fontRef idx="minor">
-            <a:schemeClr val="lt1"/>
-          </a:fontRef>
-        </p:style>
-        <p:txBody>
-          <a:bodyPr rtlCol="0" anchor="ctr"/>
-          <a:lstStyle/>
-          <a:p>
-            <a:pPr algn="ctr"/>
-            <a:r>
-              <a:rPr lang="da-DK" sz="4800" smtClean="0"/>
-              <a:t>Database</a:t>
-            </a:r>
-          </a:p>
-          <a:p>
-            <a:pPr algn="ctr"/>
-            <a:r>
-              <a:rPr lang="da-DK" sz="2800" smtClean="0">
-                <a:solidFill>
-                  <a:srgbClr val="FFFF00"/>
-                </a:solidFill>
-              </a:rPr>
-              <a:t>(records)</a:t>
-            </a:r>
-            <a:endParaRPr lang="da-DK" sz="2800">
-              <a:solidFill>
-                <a:srgbClr val="FFFF00"/>
-              </a:solidFill>
-            </a:endParaRPr>
-          </a:p>
-        </p:txBody>
-      </p:sp>
-      <p:sp>
-        <p:nvSpPr>
-          <p:cNvPr id="10" name="Afrundet rektangel 9"/>
-          <p:cNvSpPr/>
-          <p:nvPr/>
-        </p:nvSpPr>
-        <p:spPr>
-          <a:xfrm>
-            <a:off x="1197142" y="2427872"/>
-            <a:ext cx="2821405" cy="1395663"/>
-          </a:xfrm>
-          <a:prstGeom prst="roundRect">
-            <a:avLst/>
-          </a:prstGeom>
-        </p:spPr>
-        <p:style>
-          <a:lnRef idx="2">
-            <a:schemeClr val="accent1">
-              <a:shade val="50000"/>
-            </a:schemeClr>
-          </a:lnRef>
-          <a:fillRef idx="1">
-            <a:schemeClr val="accent1"/>
-          </a:fillRef>
-          <a:effectRef idx="0">
-            <a:schemeClr val="accent1"/>
-          </a:effectRef>
-          <a:fontRef idx="minor">
-            <a:schemeClr val="lt1"/>
-          </a:fontRef>
-        </p:style>
-        <p:txBody>
-          <a:bodyPr rtlCol="0" anchor="ctr"/>
-          <a:lstStyle/>
-          <a:p>
-            <a:pPr algn="ctr"/>
-            <a:r>
-              <a:rPr lang="da-DK" sz="4800" smtClean="0"/>
-              <a:t>Model</a:t>
-            </a:r>
-          </a:p>
-          <a:p>
-            <a:pPr algn="ctr"/>
-            <a:r>
-              <a:rPr lang="da-DK" sz="2800" smtClean="0">
-                <a:solidFill>
-                  <a:srgbClr val="FFFF00"/>
-                </a:solidFill>
-              </a:rPr>
-              <a:t>(objects)</a:t>
-            </a:r>
-            <a:endParaRPr lang="da-DK" sz="2800">
-              <a:solidFill>
-                <a:srgbClr val="FFFF00"/>
-              </a:solidFill>
-            </a:endParaRPr>
-          </a:p>
-        </p:txBody>
-      </p:sp>
-      <p:cxnSp>
-        <p:nvCxnSpPr>
-          <p:cNvPr id="4" name="Lige forbindelse 3"/>
-          <p:cNvCxnSpPr/>
-          <p:nvPr/>
-        </p:nvCxnSpPr>
-        <p:spPr>
-          <a:xfrm>
-            <a:off x="5898860" y="920549"/>
-            <a:ext cx="54899" cy="4626811"/>
-          </a:xfrm>
-          <a:prstGeom prst="line">
-            <a:avLst/>
-          </a:prstGeom>
-          <a:ln w="76200">
-            <a:solidFill>
-              <a:schemeClr val="tx1"/>
-            </a:solidFill>
-            <a:prstDash val="sysDot"/>
-          </a:ln>
-        </p:spPr>
-        <p:style>
-          <a:lnRef idx="1">
-            <a:schemeClr val="accent1"/>
-          </a:lnRef>
-          <a:fillRef idx="0">
-            <a:schemeClr val="accent1"/>
-          </a:fillRef>
-          <a:effectRef idx="0">
-            <a:schemeClr val="accent1"/>
-          </a:effectRef>
-          <a:fontRef idx="minor">
-            <a:schemeClr val="tx1"/>
-          </a:fontRef>
-        </p:style>
-      </p:cxnSp>
-    </p:spTree>
-    <p:extLst>
-      <p:ext uri="{BB962C8B-B14F-4D97-AF65-F5344CB8AC3E}">
-        <p14:creationId xmlns:p14="http://schemas.microsoft.com/office/powerpoint/2010/main" val="700646711"/>
-      </p:ext>
-    </p:extLst>
-  </p:cSld>
-  <p:clrMapOvr>
-    <a:masterClrMapping/>
-  </p:clrMapOvr>
-  <mc:AlternateContent xmlns:mc="http://schemas.openxmlformats.org/markup-compatibility/2006" xmlns:p14="http://schemas.microsoft.com/office/powerpoint/2010/main">
-    <mc:Choice Requires="p14">
-      <p:transition p14:dur="0"/>
-    </mc:Choice>
-    <mc:Fallback xmlns="">
-      <p:transition/>
-    </mc:Fallback>
-  </mc:AlternateContent>
-  <p:timing>
-    <p:tnLst>
-      <p:par>
-        <p:cTn id="1" dur="indefinite" restart="never" nodeType="tmRoot"/>
-      </p:par>
-    </p:tnLst>
-  </p:timing>
-</p:sld>
-</file>
-
-<file path=ppt/slides/slide12.xml><?xml version="1.0" encoding="utf-8"?>
-<p:sld xmlns:a="http://schemas.openxmlformats.org/drawingml/2006/main" xmlns:r="http://schemas.openxmlformats.org/officeDocument/2006/relationships" xmlns:p="http://schemas.openxmlformats.org/presentationml/2006/main">
-  <p:cSld>
-    <p:spTree>
-      <p:nvGrpSpPr>
-        <p:cNvPr id="1" name=""/>
-        <p:cNvGrpSpPr/>
-        <p:nvPr/>
-      </p:nvGrpSpPr>
-      <p:grpSpPr>
-        <a:xfrm>
-          <a:off x="0" y="0"/>
-          <a:ext cx="0" cy="0"/>
-          <a:chOff x="0" y="0"/>
-          <a:chExt cx="0" cy="0"/>
-        </a:xfrm>
-      </p:grpSpPr>
-      <p:sp>
-        <p:nvSpPr>
-          <p:cNvPr id="2" name="Magnetpladelager 1"/>
-          <p:cNvSpPr/>
-          <p:nvPr/>
-        </p:nvSpPr>
-        <p:spPr>
-          <a:xfrm>
-            <a:off x="7856620" y="2317082"/>
-            <a:ext cx="3031958" cy="1617245"/>
-          </a:xfrm>
-          <a:prstGeom prst="flowChartMagneticDisk">
-            <a:avLst/>
-          </a:prstGeom>
-          <a:solidFill>
-            <a:schemeClr val="accent6">
-              <a:lumMod val="75000"/>
-            </a:schemeClr>
-          </a:solidFill>
-        </p:spPr>
-        <p:style>
-          <a:lnRef idx="2">
-            <a:schemeClr val="accent1">
-              <a:shade val="50000"/>
-            </a:schemeClr>
-          </a:lnRef>
-          <a:fillRef idx="1">
-            <a:schemeClr val="accent1"/>
-          </a:fillRef>
-          <a:effectRef idx="0">
-            <a:schemeClr val="accent1"/>
-          </a:effectRef>
-          <a:fontRef idx="minor">
-            <a:schemeClr val="lt1"/>
-          </a:fontRef>
-        </p:style>
-        <p:txBody>
-          <a:bodyPr rtlCol="0" anchor="ctr"/>
-          <a:lstStyle/>
-          <a:p>
-            <a:pPr algn="ctr"/>
-            <a:r>
-              <a:rPr lang="da-DK" sz="4800" smtClean="0"/>
-              <a:t>Database</a:t>
-            </a:r>
-          </a:p>
-          <a:p>
-            <a:pPr algn="ctr"/>
-            <a:r>
-              <a:rPr lang="da-DK" sz="2800" smtClean="0">
-                <a:solidFill>
-                  <a:srgbClr val="FFFF00"/>
-                </a:solidFill>
-              </a:rPr>
-              <a:t>(records)</a:t>
-            </a:r>
-            <a:endParaRPr lang="da-DK" sz="2800">
-              <a:solidFill>
-                <a:srgbClr val="FFFF00"/>
-              </a:solidFill>
-            </a:endParaRPr>
-          </a:p>
-        </p:txBody>
-      </p:sp>
-      <p:sp>
-        <p:nvSpPr>
-          <p:cNvPr id="10" name="Afrundet rektangel 9"/>
-          <p:cNvSpPr/>
-          <p:nvPr/>
-        </p:nvSpPr>
-        <p:spPr>
-          <a:xfrm>
-            <a:off x="1197142" y="2427872"/>
-            <a:ext cx="2821405" cy="1395663"/>
-          </a:xfrm>
-          <a:prstGeom prst="roundRect">
-            <a:avLst/>
-          </a:prstGeom>
-        </p:spPr>
-        <p:style>
-          <a:lnRef idx="2">
-            <a:schemeClr val="accent1">
-              <a:shade val="50000"/>
-            </a:schemeClr>
-          </a:lnRef>
-          <a:fillRef idx="1">
-            <a:schemeClr val="accent1"/>
-          </a:fillRef>
-          <a:effectRef idx="0">
-            <a:schemeClr val="accent1"/>
-          </a:effectRef>
-          <a:fontRef idx="minor">
-            <a:schemeClr val="lt1"/>
-          </a:fontRef>
-        </p:style>
-        <p:txBody>
-          <a:bodyPr rtlCol="0" anchor="ctr"/>
-          <a:lstStyle/>
-          <a:p>
-            <a:pPr algn="ctr"/>
-            <a:r>
-              <a:rPr lang="da-DK" sz="4800" smtClean="0"/>
-              <a:t>Model</a:t>
-            </a:r>
-          </a:p>
-          <a:p>
-            <a:pPr algn="ctr"/>
-            <a:r>
-              <a:rPr lang="da-DK" sz="2800">
-                <a:solidFill>
-                  <a:srgbClr val="FFFF00"/>
-                </a:solidFill>
-              </a:rPr>
-              <a:t>(objects)</a:t>
-            </a:r>
-          </a:p>
-        </p:txBody>
-      </p:sp>
-      <p:cxnSp>
-        <p:nvCxnSpPr>
-          <p:cNvPr id="4" name="Lige forbindelse 3"/>
-          <p:cNvCxnSpPr/>
-          <p:nvPr/>
-        </p:nvCxnSpPr>
-        <p:spPr>
-          <a:xfrm>
-            <a:off x="5898860" y="920549"/>
-            <a:ext cx="54899" cy="4626811"/>
-          </a:xfrm>
-          <a:prstGeom prst="line">
-            <a:avLst/>
-          </a:prstGeom>
-          <a:ln w="76200">
-            <a:solidFill>
-              <a:schemeClr val="tx1"/>
-            </a:solidFill>
-            <a:prstDash val="sysDot"/>
-          </a:ln>
-        </p:spPr>
-        <p:style>
-          <a:lnRef idx="1">
-            <a:schemeClr val="accent1"/>
-          </a:lnRef>
-          <a:fillRef idx="0">
-            <a:schemeClr val="accent1"/>
-          </a:fillRef>
-          <a:effectRef idx="0">
-            <a:schemeClr val="accent1"/>
-          </a:effectRef>
-          <a:fontRef idx="minor">
-            <a:schemeClr val="tx1"/>
-          </a:fontRef>
-        </p:style>
-      </p:cxnSp>
-      <p:sp>
-        <p:nvSpPr>
-          <p:cNvPr id="13" name="Højrepil 12"/>
-          <p:cNvSpPr/>
-          <p:nvPr/>
-        </p:nvSpPr>
-        <p:spPr>
-          <a:xfrm>
-            <a:off x="4463625" y="2600770"/>
-            <a:ext cx="2980267" cy="1049866"/>
-          </a:xfrm>
-          <a:prstGeom prst="rightArrow">
-            <a:avLst/>
-          </a:prstGeom>
-          <a:solidFill>
-            <a:schemeClr val="tx1">
-              <a:lumMod val="65000"/>
-              <a:lumOff val="35000"/>
-            </a:schemeClr>
-          </a:solidFill>
-        </p:spPr>
-        <p:style>
-          <a:lnRef idx="2">
-            <a:schemeClr val="accent1">
-              <a:shade val="50000"/>
-            </a:schemeClr>
-          </a:lnRef>
-          <a:fillRef idx="1">
-            <a:schemeClr val="accent1"/>
-          </a:fillRef>
-          <a:effectRef idx="0">
-            <a:schemeClr val="accent1"/>
-          </a:effectRef>
-          <a:fontRef idx="minor">
-            <a:schemeClr val="lt1"/>
-          </a:fontRef>
-        </p:style>
-        <p:txBody>
-          <a:bodyPr rtlCol="0" anchor="ctr"/>
-          <a:lstStyle/>
-          <a:p>
-            <a:pPr algn="ctr"/>
-            <a:r>
-              <a:rPr lang="da-DK" sz="2800" smtClean="0">
-                <a:solidFill>
-                  <a:srgbClr val="FFFF00"/>
-                </a:solidFill>
-              </a:rPr>
-              <a:t>Model-first</a:t>
-            </a:r>
-            <a:endParaRPr lang="da-DK" sz="2800">
-              <a:solidFill>
-                <a:srgbClr val="FFFF00"/>
-              </a:solidFill>
-            </a:endParaRPr>
-          </a:p>
-        </p:txBody>
-      </p:sp>
-    </p:spTree>
-    <p:extLst>
-      <p:ext uri="{BB962C8B-B14F-4D97-AF65-F5344CB8AC3E}">
-        <p14:creationId xmlns:p14="http://schemas.microsoft.com/office/powerpoint/2010/main" val="692419236"/>
-      </p:ext>
-    </p:extLst>
-  </p:cSld>
-  <p:clrMapOvr>
-    <a:masterClrMapping/>
-  </p:clrMapOvr>
-  <mc:AlternateContent xmlns:mc="http://schemas.openxmlformats.org/markup-compatibility/2006" xmlns:p14="http://schemas.microsoft.com/office/powerpoint/2010/main">
-    <mc:Choice Requires="p14">
-      <p:transition spd="med" p14:dur="700">
-        <p:fade/>
-      </p:transition>
-    </mc:Choice>
-    <mc:Fallback xmlns="">
-      <p:transition spd="med">
-        <p:fade/>
-      </p:transition>
-    </mc:Fallback>
-  </mc:AlternateContent>
-  <p:timing>
-    <p:tnLst>
-      <p:par>
-        <p:cTn id="1" dur="indefinite" restart="never" nodeType="tmRoot"/>
-      </p:par>
-    </p:tnLst>
-  </p:timing>
-</p:sld>
-</file>
-
-<file path=ppt/slides/slide13.xml><?xml version="1.0" encoding="utf-8"?>
-<p:sld xmlns:a="http://schemas.openxmlformats.org/drawingml/2006/main" xmlns:r="http://schemas.openxmlformats.org/officeDocument/2006/relationships" xmlns:p="http://schemas.openxmlformats.org/presentationml/2006/main">
-  <p:cSld>
-    <p:spTree>
-      <p:nvGrpSpPr>
-        <p:cNvPr id="1" name=""/>
-        <p:cNvGrpSpPr/>
-        <p:nvPr/>
-      </p:nvGrpSpPr>
-      <p:grpSpPr>
-        <a:xfrm>
-          <a:off x="0" y="0"/>
-          <a:ext cx="0" cy="0"/>
-          <a:chOff x="0" y="0"/>
-          <a:chExt cx="0" cy="0"/>
-        </a:xfrm>
-      </p:grpSpPr>
-      <p:sp>
-        <p:nvSpPr>
-          <p:cNvPr id="2" name="Magnetpladelager 1"/>
-          <p:cNvSpPr/>
-          <p:nvPr/>
-        </p:nvSpPr>
-        <p:spPr>
-          <a:xfrm>
-            <a:off x="7856620" y="2317082"/>
-            <a:ext cx="3031958" cy="1617245"/>
-          </a:xfrm>
-          <a:prstGeom prst="flowChartMagneticDisk">
-            <a:avLst/>
-          </a:prstGeom>
-          <a:solidFill>
-            <a:schemeClr val="accent6">
-              <a:lumMod val="75000"/>
-            </a:schemeClr>
-          </a:solidFill>
-        </p:spPr>
-        <p:style>
-          <a:lnRef idx="2">
-            <a:schemeClr val="accent1">
-              <a:shade val="50000"/>
-            </a:schemeClr>
-          </a:lnRef>
-          <a:fillRef idx="1">
-            <a:schemeClr val="accent1"/>
-          </a:fillRef>
-          <a:effectRef idx="0">
-            <a:schemeClr val="accent1"/>
-          </a:effectRef>
-          <a:fontRef idx="minor">
-            <a:schemeClr val="lt1"/>
-          </a:fontRef>
-        </p:style>
-        <p:txBody>
-          <a:bodyPr rtlCol="0" anchor="ctr"/>
-          <a:lstStyle/>
-          <a:p>
-            <a:pPr algn="ctr"/>
-            <a:r>
-              <a:rPr lang="da-DK" sz="4800" smtClean="0"/>
-              <a:t>Database</a:t>
-            </a:r>
-          </a:p>
-          <a:p>
-            <a:pPr algn="ctr"/>
-            <a:r>
-              <a:rPr lang="da-DK" sz="2800" smtClean="0">
-                <a:solidFill>
-                  <a:srgbClr val="FFFF00"/>
-                </a:solidFill>
-              </a:rPr>
-              <a:t>(records)</a:t>
-            </a:r>
-            <a:endParaRPr lang="da-DK" sz="2800">
-              <a:solidFill>
-                <a:srgbClr val="FFFF00"/>
-              </a:solidFill>
-            </a:endParaRPr>
-          </a:p>
-        </p:txBody>
-      </p:sp>
-      <p:sp>
-        <p:nvSpPr>
-          <p:cNvPr id="10" name="Afrundet rektangel 9"/>
-          <p:cNvSpPr/>
-          <p:nvPr/>
-        </p:nvSpPr>
-        <p:spPr>
-          <a:xfrm>
-            <a:off x="1197142" y="2427872"/>
-            <a:ext cx="2821405" cy="1395663"/>
-          </a:xfrm>
-          <a:prstGeom prst="roundRect">
-            <a:avLst/>
-          </a:prstGeom>
-        </p:spPr>
-        <p:style>
-          <a:lnRef idx="2">
-            <a:schemeClr val="accent1">
-              <a:shade val="50000"/>
-            </a:schemeClr>
-          </a:lnRef>
-          <a:fillRef idx="1">
-            <a:schemeClr val="accent1"/>
-          </a:fillRef>
-          <a:effectRef idx="0">
-            <a:schemeClr val="accent1"/>
-          </a:effectRef>
-          <a:fontRef idx="minor">
-            <a:schemeClr val="lt1"/>
-          </a:fontRef>
-        </p:style>
-        <p:txBody>
-          <a:bodyPr rtlCol="0" anchor="ctr"/>
-          <a:lstStyle/>
-          <a:p>
-            <a:pPr algn="ctr"/>
-            <a:r>
-              <a:rPr lang="da-DK" sz="4800" smtClean="0"/>
-              <a:t>Model</a:t>
-            </a:r>
-          </a:p>
-          <a:p>
-            <a:pPr algn="ctr"/>
-            <a:r>
-              <a:rPr lang="da-DK" sz="2800">
-                <a:solidFill>
-                  <a:srgbClr val="FFFF00"/>
-                </a:solidFill>
-              </a:rPr>
-              <a:t>(objects)</a:t>
-            </a:r>
-          </a:p>
-        </p:txBody>
-      </p:sp>
-      <p:cxnSp>
-        <p:nvCxnSpPr>
-          <p:cNvPr id="4" name="Lige forbindelse 3"/>
-          <p:cNvCxnSpPr/>
-          <p:nvPr/>
-        </p:nvCxnSpPr>
-        <p:spPr>
-          <a:xfrm>
-            <a:off x="5898860" y="920549"/>
-            <a:ext cx="54899" cy="4626811"/>
-          </a:xfrm>
-          <a:prstGeom prst="line">
-            <a:avLst/>
-          </a:prstGeom>
-          <a:ln w="76200">
-            <a:solidFill>
-              <a:schemeClr val="tx1"/>
-            </a:solidFill>
-            <a:prstDash val="sysDot"/>
-          </a:ln>
-        </p:spPr>
-        <p:style>
-          <a:lnRef idx="1">
-            <a:schemeClr val="accent1"/>
-          </a:lnRef>
-          <a:fillRef idx="0">
-            <a:schemeClr val="accent1"/>
-          </a:fillRef>
-          <a:effectRef idx="0">
-            <a:schemeClr val="accent1"/>
-          </a:effectRef>
-          <a:fontRef idx="minor">
-            <a:schemeClr val="tx1"/>
-          </a:fontRef>
-        </p:style>
-      </p:cxnSp>
-      <p:sp>
-        <p:nvSpPr>
-          <p:cNvPr id="6" name="Højrepil 5"/>
-          <p:cNvSpPr/>
-          <p:nvPr/>
-        </p:nvSpPr>
-        <p:spPr>
-          <a:xfrm flipH="1">
-            <a:off x="4463625" y="2600770"/>
-            <a:ext cx="2980267" cy="1049866"/>
-          </a:xfrm>
-          <a:prstGeom prst="rightArrow">
-            <a:avLst/>
-          </a:prstGeom>
-          <a:solidFill>
-            <a:schemeClr val="tx1">
-              <a:lumMod val="65000"/>
-              <a:lumOff val="35000"/>
-            </a:schemeClr>
-          </a:solidFill>
-        </p:spPr>
-        <p:style>
-          <a:lnRef idx="2">
-            <a:schemeClr val="accent1">
-              <a:shade val="50000"/>
-            </a:schemeClr>
-          </a:lnRef>
-          <a:fillRef idx="1">
-            <a:schemeClr val="accent1"/>
-          </a:fillRef>
-          <a:effectRef idx="0">
-            <a:schemeClr val="accent1"/>
-          </a:effectRef>
-          <a:fontRef idx="minor">
-            <a:schemeClr val="lt1"/>
-          </a:fontRef>
-        </p:style>
-        <p:txBody>
-          <a:bodyPr rtlCol="0" anchor="ctr"/>
-          <a:lstStyle/>
-          <a:p>
-            <a:pPr algn="ctr"/>
-            <a:r>
-              <a:rPr lang="da-DK" sz="2800" smtClean="0">
-                <a:solidFill>
-                  <a:srgbClr val="FFFF00"/>
-                </a:solidFill>
-              </a:rPr>
-              <a:t>Database-first</a:t>
-            </a:r>
-            <a:endParaRPr lang="da-DK" sz="2800">
-              <a:solidFill>
-                <a:srgbClr val="FFFF00"/>
-              </a:solidFill>
-            </a:endParaRPr>
-          </a:p>
-        </p:txBody>
-      </p:sp>
-    </p:spTree>
-    <p:extLst>
-      <p:ext uri="{BB962C8B-B14F-4D97-AF65-F5344CB8AC3E}">
-        <p14:creationId xmlns:p14="http://schemas.microsoft.com/office/powerpoint/2010/main" val="2125929840"/>
-      </p:ext>
-    </p:extLst>
-  </p:cSld>
-  <p:clrMapOvr>
-    <a:masterClrMapping/>
-  </p:clrMapOvr>
-  <mc:AlternateContent xmlns:mc="http://schemas.openxmlformats.org/markup-compatibility/2006" xmlns:p14="http://schemas.microsoft.com/office/powerpoint/2010/main">
-    <mc:Choice Requires="p14">
-      <p:transition spd="med" p14:dur="700">
-        <p:fade/>
-      </p:transition>
-    </mc:Choice>
-    <mc:Fallback xmlns="">
-      <p:transition spd="med">
-        <p:fade/>
-      </p:transition>
-    </mc:Fallback>
-  </mc:AlternateContent>
-  <p:timing>
-    <p:tnLst>
-      <p:par>
-        <p:cTn id="1" dur="indefinite" restart="never" nodeType="tmRoot"/>
-      </p:par>
-    </p:tnLst>
-  </p:timing>
-</p:sld>
-</file>
-
-<file path=ppt/slides/slide14.xml><?xml version="1.0" encoding="utf-8"?>
-<p:sld xmlns:a="http://schemas.openxmlformats.org/drawingml/2006/main" xmlns:r="http://schemas.openxmlformats.org/officeDocument/2006/relationships" xmlns:p="http://schemas.openxmlformats.org/presentationml/2006/main">
-  <p:cSld>
-    <p:spTree>
-      <p:nvGrpSpPr>
-        <p:cNvPr id="1" name=""/>
-        <p:cNvGrpSpPr/>
-        <p:nvPr/>
-      </p:nvGrpSpPr>
-      <p:grpSpPr>
-        <a:xfrm>
-          <a:off x="0" y="0"/>
-          <a:ext cx="0" cy="0"/>
-          <a:chOff x="0" y="0"/>
-          <a:chExt cx="0" cy="0"/>
-        </a:xfrm>
-      </p:grpSpPr>
-      <p:sp>
-        <p:nvSpPr>
-          <p:cNvPr id="9" name="Afrundet rektangel 8"/>
-          <p:cNvSpPr/>
-          <p:nvPr/>
-        </p:nvSpPr>
-        <p:spPr>
-          <a:xfrm>
-            <a:off x="6346658" y="134352"/>
-            <a:ext cx="5528509" cy="6519111"/>
-          </a:xfrm>
-          <a:prstGeom prst="roundRect">
-            <a:avLst/>
-          </a:prstGeom>
-          <a:solidFill>
-            <a:schemeClr val="bg1">
-              <a:lumMod val="50000"/>
-            </a:schemeClr>
-          </a:solidFill>
-          <a:ln>
-            <a:solidFill>
-              <a:schemeClr val="bg1">
-                <a:lumMod val="50000"/>
-              </a:schemeClr>
-            </a:solidFill>
-          </a:ln>
-        </p:spPr>
-        <p:style>
-          <a:lnRef idx="2">
-            <a:schemeClr val="accent1">
-              <a:shade val="50000"/>
-            </a:schemeClr>
-          </a:lnRef>
-          <a:fillRef idx="1">
-            <a:schemeClr val="accent1"/>
-          </a:fillRef>
-          <a:effectRef idx="0">
-            <a:schemeClr val="accent1"/>
-          </a:effectRef>
-          <a:fontRef idx="minor">
-            <a:schemeClr val="lt1"/>
-          </a:fontRef>
-        </p:style>
-        <p:txBody>
-          <a:bodyPr rtlCol="0" anchor="ctr"/>
-          <a:lstStyle/>
-          <a:p>
-            <a:r>
-              <a:rPr lang="da-DK" sz="3200" smtClean="0">
-                <a:solidFill>
-                  <a:srgbClr val="FFFF00"/>
-                </a:solidFill>
-              </a:rPr>
-              <a:t>Local</a:t>
-            </a:r>
-            <a:endParaRPr lang="da-DK" sz="3200">
-              <a:solidFill>
-                <a:srgbClr val="FFFF00"/>
-              </a:solidFill>
-            </a:endParaRPr>
-          </a:p>
-        </p:txBody>
-      </p:sp>
-      <p:sp>
-        <p:nvSpPr>
-          <p:cNvPr id="8" name="Afrundet rektangel 7"/>
-          <p:cNvSpPr/>
-          <p:nvPr/>
-        </p:nvSpPr>
-        <p:spPr>
-          <a:xfrm>
-            <a:off x="1124953" y="210552"/>
-            <a:ext cx="2045368" cy="1395663"/>
-          </a:xfrm>
-          <a:prstGeom prst="roundRect">
-            <a:avLst/>
-          </a:prstGeom>
-        </p:spPr>
-        <p:style>
-          <a:lnRef idx="2">
-            <a:schemeClr val="accent1">
-              <a:shade val="50000"/>
-            </a:schemeClr>
-          </a:lnRef>
-          <a:fillRef idx="1">
-            <a:schemeClr val="accent1"/>
-          </a:fillRef>
-          <a:effectRef idx="0">
-            <a:schemeClr val="accent1"/>
-          </a:effectRef>
-          <a:fontRef idx="minor">
-            <a:schemeClr val="lt1"/>
-          </a:fontRef>
-        </p:style>
-        <p:txBody>
-          <a:bodyPr rtlCol="0" anchor="ctr"/>
-          <a:lstStyle/>
-          <a:p>
-            <a:pPr algn="ctr"/>
-            <a:r>
-              <a:rPr lang="da-DK" sz="3600" smtClean="0"/>
-              <a:t>App</a:t>
-            </a:r>
-          </a:p>
-          <a:p>
-            <a:pPr algn="ctr"/>
-            <a:r>
-              <a:rPr lang="da-DK" sz="2400" smtClean="0"/>
-              <a:t>(Console)</a:t>
-            </a:r>
-            <a:endParaRPr lang="da-DK" sz="2400"/>
-          </a:p>
-        </p:txBody>
-      </p:sp>
-      <p:sp>
-        <p:nvSpPr>
-          <p:cNvPr id="11" name="Afrundet rektangel 10"/>
-          <p:cNvSpPr/>
-          <p:nvPr/>
-        </p:nvSpPr>
-        <p:spPr>
-          <a:xfrm>
-            <a:off x="8079204" y="235875"/>
-            <a:ext cx="3031958" cy="1395663"/>
-          </a:xfrm>
-          <a:prstGeom prst="roundRect">
-            <a:avLst/>
-          </a:prstGeom>
-          <a:solidFill>
-            <a:schemeClr val="accent5">
-              <a:lumMod val="75000"/>
-            </a:schemeClr>
-          </a:solidFill>
-        </p:spPr>
-        <p:style>
-          <a:lnRef idx="2">
-            <a:schemeClr val="accent1">
-              <a:shade val="50000"/>
-            </a:schemeClr>
-          </a:lnRef>
-          <a:fillRef idx="1">
-            <a:schemeClr val="accent1"/>
-          </a:fillRef>
-          <a:effectRef idx="0">
-            <a:schemeClr val="accent1"/>
-          </a:effectRef>
-          <a:fontRef idx="minor">
-            <a:schemeClr val="lt1"/>
-          </a:fontRef>
-        </p:style>
-        <p:txBody>
-          <a:bodyPr rtlCol="0" anchor="ctr"/>
-          <a:lstStyle/>
-          <a:p>
-            <a:pPr algn="ctr"/>
-            <a:r>
-              <a:rPr lang="da-DK" sz="3600" smtClean="0"/>
-              <a:t>Entity Framework</a:t>
-            </a:r>
-          </a:p>
-        </p:txBody>
-      </p:sp>
-      <p:sp>
-        <p:nvSpPr>
-          <p:cNvPr id="6" name="Højre-venstrepil 5"/>
-          <p:cNvSpPr/>
-          <p:nvPr/>
-        </p:nvSpPr>
-        <p:spPr>
-          <a:xfrm>
-            <a:off x="3001879" y="475245"/>
-            <a:ext cx="5263816" cy="866274"/>
-          </a:xfrm>
-          <a:prstGeom prst="leftRightArrow">
-            <a:avLst/>
-          </a:prstGeom>
-          <a:solidFill>
-            <a:schemeClr val="tx1">
-              <a:lumMod val="65000"/>
-              <a:lumOff val="35000"/>
-            </a:schemeClr>
-          </a:solidFill>
-        </p:spPr>
-        <p:style>
-          <a:lnRef idx="2">
-            <a:schemeClr val="accent1">
-              <a:shade val="50000"/>
-            </a:schemeClr>
-          </a:lnRef>
-          <a:fillRef idx="1">
-            <a:schemeClr val="accent1"/>
-          </a:fillRef>
-          <a:effectRef idx="0">
-            <a:schemeClr val="accent1"/>
-          </a:effectRef>
-          <a:fontRef idx="minor">
-            <a:schemeClr val="lt1"/>
-          </a:fontRef>
-        </p:style>
-        <p:txBody>
-          <a:bodyPr rtlCol="0" anchor="ctr"/>
-          <a:lstStyle/>
-          <a:p>
-            <a:pPr algn="ctr"/>
-            <a:r>
-              <a:rPr lang="da-DK" smtClean="0"/>
-              <a:t>EF API</a:t>
-            </a:r>
-            <a:endParaRPr lang="da-DK"/>
-          </a:p>
-        </p:txBody>
-      </p:sp>
-      <p:sp>
-        <p:nvSpPr>
-          <p:cNvPr id="10" name="Magnetpladelager 9"/>
-          <p:cNvSpPr/>
-          <p:nvPr/>
-        </p:nvSpPr>
-        <p:spPr>
-          <a:xfrm>
-            <a:off x="8079204" y="4914253"/>
-            <a:ext cx="3031958" cy="1558737"/>
-          </a:xfrm>
-          <a:prstGeom prst="flowChartMagneticDisk">
-            <a:avLst/>
-          </a:prstGeom>
-          <a:solidFill>
-            <a:schemeClr val="accent6">
-              <a:lumMod val="75000"/>
-            </a:schemeClr>
-          </a:solidFill>
-        </p:spPr>
-        <p:style>
-          <a:lnRef idx="2">
-            <a:schemeClr val="accent1">
-              <a:shade val="50000"/>
-            </a:schemeClr>
-          </a:lnRef>
-          <a:fillRef idx="1">
-            <a:schemeClr val="accent1"/>
-          </a:fillRef>
-          <a:effectRef idx="0">
-            <a:schemeClr val="accent1"/>
-          </a:effectRef>
-          <a:fontRef idx="minor">
-            <a:schemeClr val="lt1"/>
-          </a:fontRef>
-        </p:style>
-        <p:txBody>
-          <a:bodyPr rtlCol="0" anchor="ctr"/>
-          <a:lstStyle/>
-          <a:p>
-            <a:pPr algn="ctr"/>
-            <a:r>
-              <a:rPr lang="da-DK" sz="3600" smtClean="0"/>
-              <a:t>Database</a:t>
-            </a:r>
-            <a:endParaRPr lang="da-DK" sz="3600"/>
-          </a:p>
-        </p:txBody>
-      </p:sp>
-      <p:sp>
-        <p:nvSpPr>
-          <p:cNvPr id="13" name="Opad-nedadgående pil 12"/>
-          <p:cNvSpPr/>
-          <p:nvPr/>
-        </p:nvSpPr>
-        <p:spPr>
-          <a:xfrm>
-            <a:off x="9228220" y="1341519"/>
-            <a:ext cx="733926" cy="3860132"/>
-          </a:xfrm>
-          <a:prstGeom prst="upDownArrow">
-            <a:avLst/>
-          </a:prstGeom>
-          <a:solidFill>
-            <a:schemeClr val="tx1">
-              <a:lumMod val="65000"/>
-              <a:lumOff val="35000"/>
-            </a:schemeClr>
-          </a:solidFill>
-        </p:spPr>
-        <p:style>
-          <a:lnRef idx="2">
-            <a:schemeClr val="accent1">
-              <a:shade val="50000"/>
-            </a:schemeClr>
-          </a:lnRef>
-          <a:fillRef idx="1">
-            <a:schemeClr val="accent1"/>
-          </a:fillRef>
-          <a:effectRef idx="0">
-            <a:schemeClr val="accent1"/>
-          </a:effectRef>
-          <a:fontRef idx="minor">
-            <a:schemeClr val="lt1"/>
-          </a:fontRef>
-        </p:style>
-        <p:txBody>
-          <a:bodyPr rtlCol="0" anchor="ctr"/>
-          <a:lstStyle/>
-          <a:p>
-            <a:pPr algn="ctr"/>
-            <a:endParaRPr lang="da-DK"/>
-          </a:p>
-        </p:txBody>
-      </p:sp>
-      <p:sp>
-        <p:nvSpPr>
-          <p:cNvPr id="12" name="Titel 1"/>
-          <p:cNvSpPr txBox="1">
-            <a:spLocks/>
-          </p:cNvSpPr>
-          <p:nvPr/>
-        </p:nvSpPr>
-        <p:spPr>
-          <a:xfrm>
-            <a:off x="1524001" y="3459079"/>
-            <a:ext cx="2813384" cy="808120"/>
-          </a:xfrm>
-          <a:prstGeom prst="rect">
-            <a:avLst/>
-          </a:prstGeom>
-        </p:spPr>
-        <p:txBody>
-          <a:bodyPr vert="horz" lIns="91440" tIns="45720" rIns="91440" bIns="45720" rtlCol="0" anchor="ctr">
-            <a:noAutofit/>
-          </a:bodyPr>
-          <a:lstStyle>
-            <a:lvl1pPr algn="l" defTabSz="914400" rtl="0" eaLnBrk="1" latinLnBrk="0" hangingPunct="1">
-              <a:lnSpc>
-                <a:spcPct val="90000"/>
-              </a:lnSpc>
-              <a:spcBef>
-                <a:spcPct val="0"/>
-              </a:spcBef>
-              <a:buNone/>
-              <a:defRPr sz="4400" kern="1200">
-                <a:solidFill>
-                  <a:schemeClr val="tx1"/>
-                </a:solidFill>
-                <a:latin typeface="+mj-lt"/>
-                <a:ea typeface="+mj-ea"/>
-                <a:cs typeface="+mj-cs"/>
-              </a:defRPr>
-            </a:lvl1pPr>
-          </a:lstStyle>
-          <a:p>
-            <a:r>
-              <a:rPr lang="da-DK" sz="4800" b="1" smtClean="0"/>
-              <a:t>Stage 1</a:t>
-            </a:r>
-            <a:endParaRPr lang="da-DK" sz="4800" b="1"/>
-          </a:p>
-        </p:txBody>
-      </p:sp>
-    </p:spTree>
-    <p:extLst>
-      <p:ext uri="{BB962C8B-B14F-4D97-AF65-F5344CB8AC3E}">
-        <p14:creationId xmlns:p14="http://schemas.microsoft.com/office/powerpoint/2010/main" val="3279098060"/>
-      </p:ext>
-    </p:extLst>
-  </p:cSld>
-  <p:clrMapOvr>
-    <a:masterClrMapping/>
-  </p:clrMapOvr>
-  <mc:AlternateContent xmlns:mc="http://schemas.openxmlformats.org/markup-compatibility/2006" xmlns:p14="http://schemas.microsoft.com/office/powerpoint/2010/main">
-    <mc:Choice Requires="p14">
-      <p:transition spd="med" p14:dur="700">
-        <p:fade/>
-      </p:transition>
-    </mc:Choice>
-    <mc:Fallback xmlns="">
-      <p:transition spd="med">
-        <p:fade/>
-      </p:transition>
-    </mc:Fallback>
-  </mc:AlternateContent>
-  <p:timing>
-    <p:tnLst>
-      <p:par>
-        <p:cTn id="1" dur="indefinite" restart="never" nodeType="tmRoot"/>
-      </p:par>
-    </p:tnLst>
-  </p:timing>
-</p:sld>
-</file>
-
-<file path=ppt/slides/slide15.xml><?xml version="1.0" encoding="utf-8"?>
-<p:sld xmlns:a="http://schemas.openxmlformats.org/drawingml/2006/main" xmlns:r="http://schemas.openxmlformats.org/officeDocument/2006/relationships" xmlns:p="http://schemas.openxmlformats.org/presentationml/2006/main">
-  <p:cSld>
-    <p:spTree>
-      <p:nvGrpSpPr>
-        <p:cNvPr id="1" name=""/>
-        <p:cNvGrpSpPr/>
-        <p:nvPr/>
-      </p:nvGrpSpPr>
-      <p:grpSpPr>
-        <a:xfrm>
-          <a:off x="0" y="0"/>
-          <a:ext cx="0" cy="0"/>
-          <a:chOff x="0" y="0"/>
-          <a:chExt cx="0" cy="0"/>
-        </a:xfrm>
-      </p:grpSpPr>
-      <p:sp>
-        <p:nvSpPr>
-          <p:cNvPr id="10" name="Afrundet rektangel 9"/>
-          <p:cNvSpPr/>
-          <p:nvPr/>
-        </p:nvSpPr>
-        <p:spPr>
-          <a:xfrm>
-            <a:off x="1124953" y="210552"/>
-            <a:ext cx="2045368" cy="1395663"/>
-          </a:xfrm>
-          <a:prstGeom prst="roundRect">
-            <a:avLst/>
-          </a:prstGeom>
-        </p:spPr>
-        <p:style>
-          <a:lnRef idx="2">
-            <a:schemeClr val="accent1">
-              <a:shade val="50000"/>
-            </a:schemeClr>
-          </a:lnRef>
-          <a:fillRef idx="1">
-            <a:schemeClr val="accent1"/>
-          </a:fillRef>
-          <a:effectRef idx="0">
-            <a:schemeClr val="accent1"/>
-          </a:effectRef>
-          <a:fontRef idx="minor">
-            <a:schemeClr val="lt1"/>
-          </a:fontRef>
-        </p:style>
-        <p:txBody>
-          <a:bodyPr rtlCol="0" anchor="ctr"/>
-          <a:lstStyle/>
-          <a:p>
-            <a:pPr algn="ctr"/>
-            <a:r>
-              <a:rPr lang="da-DK" sz="3600" smtClean="0"/>
-              <a:t>App</a:t>
-            </a:r>
-          </a:p>
-          <a:p>
-            <a:pPr algn="ctr"/>
-            <a:r>
-              <a:rPr lang="da-DK" sz="2400" smtClean="0"/>
-              <a:t>(Console)</a:t>
-            </a:r>
-            <a:endParaRPr lang="da-DK" sz="2400"/>
-          </a:p>
-        </p:txBody>
-      </p:sp>
-      <p:sp>
-        <p:nvSpPr>
-          <p:cNvPr id="9" name="Afrundet rektangel 8"/>
-          <p:cNvSpPr/>
-          <p:nvPr/>
-        </p:nvSpPr>
-        <p:spPr>
-          <a:xfrm>
-            <a:off x="6346658" y="134352"/>
-            <a:ext cx="5528509" cy="6519111"/>
-          </a:xfrm>
-          <a:prstGeom prst="roundRect">
-            <a:avLst/>
-          </a:prstGeom>
-          <a:solidFill>
-            <a:schemeClr val="bg1">
-              <a:lumMod val="50000"/>
-            </a:schemeClr>
-          </a:solidFill>
-          <a:ln>
-            <a:solidFill>
-              <a:schemeClr val="bg1">
-                <a:lumMod val="50000"/>
-              </a:schemeClr>
-            </a:solidFill>
-          </a:ln>
-        </p:spPr>
-        <p:style>
-          <a:lnRef idx="2">
-            <a:schemeClr val="accent1">
-              <a:shade val="50000"/>
-            </a:schemeClr>
-          </a:lnRef>
-          <a:fillRef idx="1">
-            <a:schemeClr val="accent1"/>
-          </a:fillRef>
-          <a:effectRef idx="0">
-            <a:schemeClr val="accent1"/>
-          </a:effectRef>
-          <a:fontRef idx="minor">
-            <a:schemeClr val="lt1"/>
-          </a:fontRef>
-        </p:style>
-        <p:txBody>
-          <a:bodyPr rtlCol="0" anchor="ctr"/>
-          <a:lstStyle/>
-          <a:p>
-            <a:r>
-              <a:rPr lang="da-DK" sz="3200" smtClean="0">
-                <a:solidFill>
-                  <a:srgbClr val="FFFF00"/>
-                </a:solidFill>
-              </a:rPr>
-              <a:t>Local</a:t>
-            </a:r>
-            <a:endParaRPr lang="da-DK" sz="3200">
-              <a:solidFill>
-                <a:srgbClr val="FFFF00"/>
-              </a:solidFill>
-            </a:endParaRPr>
-          </a:p>
-        </p:txBody>
-      </p:sp>
-      <p:sp>
-        <p:nvSpPr>
-          <p:cNvPr id="5" name="Afrundet rektangel 4"/>
-          <p:cNvSpPr/>
-          <p:nvPr/>
-        </p:nvSpPr>
-        <p:spPr>
-          <a:xfrm>
-            <a:off x="8079204" y="210551"/>
-            <a:ext cx="3031958" cy="1395663"/>
-          </a:xfrm>
-          <a:prstGeom prst="roundRect">
-            <a:avLst/>
-          </a:prstGeom>
-          <a:solidFill>
-            <a:srgbClr val="C00000"/>
-          </a:solidFill>
-        </p:spPr>
-        <p:style>
-          <a:lnRef idx="2">
-            <a:schemeClr val="accent1">
-              <a:shade val="50000"/>
-            </a:schemeClr>
-          </a:lnRef>
-          <a:fillRef idx="1">
-            <a:schemeClr val="accent1"/>
-          </a:fillRef>
-          <a:effectRef idx="0">
-            <a:schemeClr val="accent1"/>
-          </a:effectRef>
-          <a:fontRef idx="minor">
-            <a:schemeClr val="lt1"/>
-          </a:fontRef>
-        </p:style>
-        <p:txBody>
-          <a:bodyPr rtlCol="0" anchor="ctr"/>
-          <a:lstStyle/>
-          <a:p>
-            <a:pPr algn="ctr"/>
-            <a:r>
-              <a:rPr lang="da-DK" sz="3600" smtClean="0"/>
-              <a:t>Web Service</a:t>
-            </a:r>
-          </a:p>
-        </p:txBody>
-      </p:sp>
-      <p:sp>
-        <p:nvSpPr>
-          <p:cNvPr id="2" name="Magnetpladelager 1"/>
-          <p:cNvSpPr/>
-          <p:nvPr/>
-        </p:nvSpPr>
-        <p:spPr>
-          <a:xfrm>
-            <a:off x="8079204" y="4855745"/>
-            <a:ext cx="3031958" cy="1617245"/>
-          </a:xfrm>
-          <a:prstGeom prst="flowChartMagneticDisk">
-            <a:avLst/>
-          </a:prstGeom>
-          <a:solidFill>
-            <a:schemeClr val="accent6">
-              <a:lumMod val="75000"/>
-            </a:schemeClr>
-          </a:solidFill>
-        </p:spPr>
-        <p:style>
-          <a:lnRef idx="2">
-            <a:schemeClr val="accent1">
-              <a:shade val="50000"/>
-            </a:schemeClr>
-          </a:lnRef>
-          <a:fillRef idx="1">
-            <a:schemeClr val="accent1"/>
-          </a:fillRef>
-          <a:effectRef idx="0">
-            <a:schemeClr val="accent1"/>
-          </a:effectRef>
-          <a:fontRef idx="minor">
-            <a:schemeClr val="lt1"/>
-          </a:fontRef>
-        </p:style>
-        <p:txBody>
-          <a:bodyPr rtlCol="0" anchor="ctr"/>
-          <a:lstStyle/>
-          <a:p>
-            <a:pPr algn="ctr"/>
-            <a:r>
-              <a:rPr lang="da-DK" sz="3600" smtClean="0"/>
-              <a:t>Database</a:t>
-            </a:r>
-            <a:endParaRPr lang="da-DK" sz="3600"/>
-          </a:p>
-        </p:txBody>
-      </p:sp>
-      <p:sp>
-        <p:nvSpPr>
-          <p:cNvPr id="11" name="Afrundet rektangel 10"/>
-          <p:cNvSpPr/>
-          <p:nvPr/>
-        </p:nvSpPr>
-        <p:spPr>
-          <a:xfrm>
-            <a:off x="8079204" y="2594806"/>
-            <a:ext cx="3031958" cy="1395663"/>
-          </a:xfrm>
-          <a:prstGeom prst="roundRect">
-            <a:avLst/>
-          </a:prstGeom>
-          <a:solidFill>
-            <a:schemeClr val="accent5">
-              <a:lumMod val="75000"/>
-            </a:schemeClr>
-          </a:solidFill>
-        </p:spPr>
-        <p:style>
-          <a:lnRef idx="2">
-            <a:schemeClr val="accent1">
-              <a:shade val="50000"/>
-            </a:schemeClr>
-          </a:lnRef>
-          <a:fillRef idx="1">
-            <a:schemeClr val="accent1"/>
-          </a:fillRef>
-          <a:effectRef idx="0">
-            <a:schemeClr val="accent1"/>
-          </a:effectRef>
-          <a:fontRef idx="minor">
-            <a:schemeClr val="lt1"/>
-          </a:fontRef>
-        </p:style>
-        <p:txBody>
-          <a:bodyPr rtlCol="0" anchor="ctr"/>
-          <a:lstStyle/>
-          <a:p>
-            <a:pPr algn="ctr"/>
-            <a:r>
-              <a:rPr lang="da-DK" sz="3600" smtClean="0"/>
-              <a:t>Entity Framework</a:t>
-            </a:r>
-          </a:p>
-        </p:txBody>
-      </p:sp>
-      <p:sp>
-        <p:nvSpPr>
-          <p:cNvPr id="12" name="Opad-nedadgående pil 11"/>
-          <p:cNvSpPr/>
-          <p:nvPr/>
-        </p:nvSpPr>
-        <p:spPr>
-          <a:xfrm>
-            <a:off x="9228220" y="3830048"/>
-            <a:ext cx="733926" cy="1371603"/>
-          </a:xfrm>
-          <a:prstGeom prst="upDownArrow">
-            <a:avLst/>
-          </a:prstGeom>
-          <a:solidFill>
-            <a:schemeClr val="tx1">
-              <a:lumMod val="65000"/>
-              <a:lumOff val="35000"/>
-            </a:schemeClr>
-          </a:solidFill>
-        </p:spPr>
-        <p:style>
-          <a:lnRef idx="2">
-            <a:schemeClr val="accent1">
-              <a:shade val="50000"/>
-            </a:schemeClr>
-          </a:lnRef>
-          <a:fillRef idx="1">
-            <a:schemeClr val="accent1"/>
-          </a:fillRef>
-          <a:effectRef idx="0">
-            <a:schemeClr val="accent1"/>
-          </a:effectRef>
-          <a:fontRef idx="minor">
-            <a:schemeClr val="lt1"/>
-          </a:fontRef>
-        </p:style>
-        <p:txBody>
-          <a:bodyPr rtlCol="0" anchor="ctr"/>
-          <a:lstStyle/>
-          <a:p>
-            <a:pPr algn="ctr"/>
-            <a:endParaRPr lang="da-DK"/>
-          </a:p>
-        </p:txBody>
-      </p:sp>
-      <p:sp>
-        <p:nvSpPr>
-          <p:cNvPr id="15" name="Opad-nedadgående pil 14"/>
-          <p:cNvSpPr/>
-          <p:nvPr/>
-        </p:nvSpPr>
-        <p:spPr>
-          <a:xfrm>
-            <a:off x="9228220" y="1414709"/>
-            <a:ext cx="733926" cy="1371603"/>
-          </a:xfrm>
-          <a:prstGeom prst="upDownArrow">
-            <a:avLst/>
-          </a:prstGeom>
-          <a:solidFill>
-            <a:schemeClr val="tx1">
-              <a:lumMod val="65000"/>
-              <a:lumOff val="35000"/>
-            </a:schemeClr>
-          </a:solidFill>
-        </p:spPr>
-        <p:style>
-          <a:lnRef idx="2">
-            <a:schemeClr val="accent1">
-              <a:shade val="50000"/>
-            </a:schemeClr>
-          </a:lnRef>
-          <a:fillRef idx="1">
-            <a:schemeClr val="accent1"/>
-          </a:fillRef>
-          <a:effectRef idx="0">
-            <a:schemeClr val="accent1"/>
-          </a:effectRef>
-          <a:fontRef idx="minor">
-            <a:schemeClr val="lt1"/>
-          </a:fontRef>
-        </p:style>
-        <p:txBody>
-          <a:bodyPr rtlCol="0" anchor="ctr"/>
-          <a:lstStyle/>
-          <a:p>
-            <a:pPr algn="ctr"/>
-            <a:endParaRPr lang="da-DK"/>
-          </a:p>
-        </p:txBody>
-      </p:sp>
-      <p:sp>
-        <p:nvSpPr>
-          <p:cNvPr id="6" name="Højre-venstrepil 5"/>
-          <p:cNvSpPr/>
-          <p:nvPr/>
-        </p:nvSpPr>
-        <p:spPr>
-          <a:xfrm>
-            <a:off x="3001879" y="475245"/>
-            <a:ext cx="5263816" cy="866274"/>
-          </a:xfrm>
-          <a:prstGeom prst="leftRightArrow">
-            <a:avLst/>
-          </a:prstGeom>
-          <a:solidFill>
-            <a:schemeClr val="tx1">
-              <a:lumMod val="65000"/>
-              <a:lumOff val="35000"/>
-            </a:schemeClr>
-          </a:solidFill>
-        </p:spPr>
-        <p:style>
-          <a:lnRef idx="2">
-            <a:schemeClr val="accent1">
-              <a:shade val="50000"/>
-            </a:schemeClr>
-          </a:lnRef>
-          <a:fillRef idx="1">
-            <a:schemeClr val="accent1"/>
-          </a:fillRef>
-          <a:effectRef idx="0">
-            <a:schemeClr val="accent1"/>
-          </a:effectRef>
-          <a:fontRef idx="minor">
-            <a:schemeClr val="lt1"/>
-          </a:fontRef>
-        </p:style>
-        <p:txBody>
-          <a:bodyPr rtlCol="0" anchor="ctr"/>
-          <a:lstStyle/>
-          <a:p>
-            <a:pPr algn="ctr"/>
-            <a:r>
-              <a:rPr lang="da-DK" smtClean="0"/>
-              <a:t>HTTP Request/Response</a:t>
-            </a:r>
-            <a:endParaRPr lang="da-DK"/>
-          </a:p>
-        </p:txBody>
-      </p:sp>
-      <p:sp>
-        <p:nvSpPr>
-          <p:cNvPr id="13" name="Titel 1"/>
-          <p:cNvSpPr txBox="1">
-            <a:spLocks/>
-          </p:cNvSpPr>
-          <p:nvPr/>
-        </p:nvSpPr>
-        <p:spPr>
-          <a:xfrm>
-            <a:off x="1524001" y="3459079"/>
-            <a:ext cx="2813384" cy="808120"/>
-          </a:xfrm>
-          <a:prstGeom prst="rect">
-            <a:avLst/>
-          </a:prstGeom>
-        </p:spPr>
-        <p:txBody>
-          <a:bodyPr vert="horz" lIns="91440" tIns="45720" rIns="91440" bIns="45720" rtlCol="0" anchor="ctr">
-            <a:noAutofit/>
-          </a:bodyPr>
-          <a:lstStyle>
-            <a:lvl1pPr algn="l" defTabSz="914400" rtl="0" eaLnBrk="1" latinLnBrk="0" hangingPunct="1">
-              <a:lnSpc>
-                <a:spcPct val="90000"/>
-              </a:lnSpc>
-              <a:spcBef>
-                <a:spcPct val="0"/>
-              </a:spcBef>
-              <a:buNone/>
-              <a:defRPr sz="4400" kern="1200">
-                <a:solidFill>
-                  <a:schemeClr val="tx1"/>
-                </a:solidFill>
-                <a:latin typeface="+mj-lt"/>
-                <a:ea typeface="+mj-ea"/>
-                <a:cs typeface="+mj-cs"/>
-              </a:defRPr>
-            </a:lvl1pPr>
-          </a:lstStyle>
-          <a:p>
-            <a:r>
-              <a:rPr lang="da-DK" sz="4800" b="1" smtClean="0"/>
-              <a:t>Stage 2</a:t>
-            </a:r>
-            <a:endParaRPr lang="da-DK" sz="4800" b="1"/>
-          </a:p>
-        </p:txBody>
-      </p:sp>
-    </p:spTree>
-    <p:extLst>
-      <p:ext uri="{BB962C8B-B14F-4D97-AF65-F5344CB8AC3E}">
-        <p14:creationId xmlns:p14="http://schemas.microsoft.com/office/powerpoint/2010/main" val="1587530125"/>
-      </p:ext>
-    </p:extLst>
-  </p:cSld>
-  <p:clrMapOvr>
-    <a:masterClrMapping/>
-  </p:clrMapOvr>
-  <mc:AlternateContent xmlns:mc="http://schemas.openxmlformats.org/markup-compatibility/2006" xmlns:p14="http://schemas.microsoft.com/office/powerpoint/2010/main">
-    <mc:Choice Requires="p14">
-      <p:transition spd="med" p14:dur="700">
-        <p:fade/>
-      </p:transition>
-    </mc:Choice>
-    <mc:Fallback xmlns="">
-      <p:transition spd="med">
-        <p:fade/>
-      </p:transition>
-    </mc:Fallback>
-  </mc:AlternateContent>
-  <p:timing>
-    <p:tnLst>
-      <p:par>
-        <p:cTn id="1" dur="indefinite" restart="never" nodeType="tmRoot"/>
-      </p:par>
-    </p:tnLst>
-  </p:timing>
-</p:sld>
-</file>
-
-<file path=ppt/slides/slide16.xml><?xml version="1.0" encoding="utf-8"?>
-<p:sld xmlns:a="http://schemas.openxmlformats.org/drawingml/2006/main" xmlns:r="http://schemas.openxmlformats.org/officeDocument/2006/relationships" xmlns:p="http://schemas.openxmlformats.org/presentationml/2006/main">
-  <p:cSld>
-    <p:spTree>
-      <p:nvGrpSpPr>
-        <p:cNvPr id="1" name=""/>
-        <p:cNvGrpSpPr/>
-        <p:nvPr/>
-      </p:nvGrpSpPr>
-      <p:grpSpPr>
-        <a:xfrm>
-          <a:off x="0" y="0"/>
-          <a:ext cx="0" cy="0"/>
-          <a:chOff x="0" y="0"/>
-          <a:chExt cx="0" cy="0"/>
-        </a:xfrm>
-      </p:grpSpPr>
-      <p:sp>
-        <p:nvSpPr>
-          <p:cNvPr id="10" name="Afrundet rektangel 9"/>
-          <p:cNvSpPr/>
-          <p:nvPr/>
-        </p:nvSpPr>
-        <p:spPr>
-          <a:xfrm>
-            <a:off x="1124953" y="210552"/>
-            <a:ext cx="2045368" cy="1395663"/>
-          </a:xfrm>
-          <a:prstGeom prst="roundRect">
-            <a:avLst/>
-          </a:prstGeom>
-        </p:spPr>
-        <p:style>
-          <a:lnRef idx="2">
-            <a:schemeClr val="accent1">
-              <a:shade val="50000"/>
-            </a:schemeClr>
-          </a:lnRef>
-          <a:fillRef idx="1">
-            <a:schemeClr val="accent1"/>
-          </a:fillRef>
-          <a:effectRef idx="0">
-            <a:schemeClr val="accent1"/>
-          </a:effectRef>
-          <a:fontRef idx="minor">
-            <a:schemeClr val="lt1"/>
-          </a:fontRef>
-        </p:style>
-        <p:txBody>
-          <a:bodyPr rtlCol="0" anchor="ctr"/>
-          <a:lstStyle/>
-          <a:p>
-            <a:pPr algn="ctr"/>
-            <a:r>
-              <a:rPr lang="da-DK" sz="3600" smtClean="0"/>
-              <a:t>App</a:t>
-            </a:r>
-          </a:p>
-          <a:p>
-            <a:pPr algn="ctr"/>
-            <a:r>
-              <a:rPr lang="da-DK" sz="2400" smtClean="0"/>
-              <a:t>(UWP)</a:t>
-            </a:r>
-            <a:endParaRPr lang="da-DK" sz="2400"/>
-          </a:p>
-        </p:txBody>
-      </p:sp>
-      <p:sp>
-        <p:nvSpPr>
-          <p:cNvPr id="9" name="Afrundet rektangel 8"/>
-          <p:cNvSpPr/>
-          <p:nvPr/>
-        </p:nvSpPr>
-        <p:spPr>
-          <a:xfrm>
-            <a:off x="6346658" y="134352"/>
-            <a:ext cx="5528509" cy="6519111"/>
-          </a:xfrm>
-          <a:prstGeom prst="roundRect">
-            <a:avLst/>
-          </a:prstGeom>
-          <a:solidFill>
-            <a:schemeClr val="bg1">
-              <a:lumMod val="50000"/>
-            </a:schemeClr>
-          </a:solidFill>
-          <a:ln>
-            <a:solidFill>
-              <a:schemeClr val="bg1">
-                <a:lumMod val="50000"/>
-              </a:schemeClr>
-            </a:solidFill>
-          </a:ln>
-        </p:spPr>
-        <p:style>
-          <a:lnRef idx="2">
-            <a:schemeClr val="accent1">
-              <a:shade val="50000"/>
-            </a:schemeClr>
-          </a:lnRef>
-          <a:fillRef idx="1">
-            <a:schemeClr val="accent1"/>
-          </a:fillRef>
-          <a:effectRef idx="0">
-            <a:schemeClr val="accent1"/>
-          </a:effectRef>
-          <a:fontRef idx="minor">
-            <a:schemeClr val="lt1"/>
-          </a:fontRef>
-        </p:style>
-        <p:txBody>
-          <a:bodyPr rtlCol="0" anchor="ctr"/>
-          <a:lstStyle/>
-          <a:p>
-            <a:r>
-              <a:rPr lang="da-DK" sz="3200" smtClean="0">
-                <a:solidFill>
-                  <a:srgbClr val="FFFF00"/>
-                </a:solidFill>
-              </a:rPr>
-              <a:t>Local</a:t>
-            </a:r>
-            <a:endParaRPr lang="da-DK" sz="3200">
-              <a:solidFill>
-                <a:srgbClr val="FFFF00"/>
-              </a:solidFill>
-            </a:endParaRPr>
-          </a:p>
-        </p:txBody>
-      </p:sp>
-      <p:sp>
-        <p:nvSpPr>
-          <p:cNvPr id="5" name="Afrundet rektangel 4"/>
-          <p:cNvSpPr/>
-          <p:nvPr/>
-        </p:nvSpPr>
-        <p:spPr>
-          <a:xfrm>
-            <a:off x="8079204" y="210551"/>
-            <a:ext cx="3031958" cy="1395663"/>
-          </a:xfrm>
-          <a:prstGeom prst="roundRect">
-            <a:avLst/>
-          </a:prstGeom>
-          <a:solidFill>
-            <a:srgbClr val="C00000"/>
-          </a:solidFill>
-        </p:spPr>
-        <p:style>
-          <a:lnRef idx="2">
-            <a:schemeClr val="accent1">
-              <a:shade val="50000"/>
-            </a:schemeClr>
-          </a:lnRef>
-          <a:fillRef idx="1">
-            <a:schemeClr val="accent1"/>
-          </a:fillRef>
-          <a:effectRef idx="0">
-            <a:schemeClr val="accent1"/>
-          </a:effectRef>
-          <a:fontRef idx="minor">
-            <a:schemeClr val="lt1"/>
-          </a:fontRef>
-        </p:style>
-        <p:txBody>
-          <a:bodyPr rtlCol="0" anchor="ctr"/>
-          <a:lstStyle/>
-          <a:p>
-            <a:pPr algn="ctr"/>
-            <a:r>
-              <a:rPr lang="da-DK" sz="3600" smtClean="0"/>
-              <a:t>Web Service</a:t>
-            </a:r>
-          </a:p>
-        </p:txBody>
-      </p:sp>
-      <p:sp>
-        <p:nvSpPr>
-          <p:cNvPr id="2" name="Magnetpladelager 1"/>
-          <p:cNvSpPr/>
-          <p:nvPr/>
-        </p:nvSpPr>
-        <p:spPr>
-          <a:xfrm>
-            <a:off x="8079204" y="4855745"/>
-            <a:ext cx="3031958" cy="1617245"/>
-          </a:xfrm>
-          <a:prstGeom prst="flowChartMagneticDisk">
-            <a:avLst/>
-          </a:prstGeom>
-          <a:solidFill>
-            <a:schemeClr val="accent6">
-              <a:lumMod val="75000"/>
-            </a:schemeClr>
-          </a:solidFill>
-        </p:spPr>
-        <p:style>
-          <a:lnRef idx="2">
-            <a:schemeClr val="accent1">
-              <a:shade val="50000"/>
-            </a:schemeClr>
-          </a:lnRef>
-          <a:fillRef idx="1">
-            <a:schemeClr val="accent1"/>
-          </a:fillRef>
-          <a:effectRef idx="0">
-            <a:schemeClr val="accent1"/>
-          </a:effectRef>
-          <a:fontRef idx="minor">
-            <a:schemeClr val="lt1"/>
-          </a:fontRef>
-        </p:style>
-        <p:txBody>
-          <a:bodyPr rtlCol="0" anchor="ctr"/>
-          <a:lstStyle/>
-          <a:p>
-            <a:pPr algn="ctr"/>
-            <a:r>
-              <a:rPr lang="da-DK" sz="3600" smtClean="0"/>
-              <a:t>Database</a:t>
-            </a:r>
-            <a:endParaRPr lang="da-DK" sz="3600"/>
-          </a:p>
-        </p:txBody>
-      </p:sp>
-      <p:sp>
-        <p:nvSpPr>
-          <p:cNvPr id="11" name="Afrundet rektangel 10"/>
-          <p:cNvSpPr/>
-          <p:nvPr/>
-        </p:nvSpPr>
-        <p:spPr>
-          <a:xfrm>
-            <a:off x="8079204" y="2594806"/>
-            <a:ext cx="3031958" cy="1395663"/>
-          </a:xfrm>
-          <a:prstGeom prst="roundRect">
-            <a:avLst/>
-          </a:prstGeom>
-          <a:solidFill>
-            <a:schemeClr val="accent5">
-              <a:lumMod val="75000"/>
-            </a:schemeClr>
-          </a:solidFill>
-        </p:spPr>
-        <p:style>
-          <a:lnRef idx="2">
-            <a:schemeClr val="accent1">
-              <a:shade val="50000"/>
-            </a:schemeClr>
-          </a:lnRef>
-          <a:fillRef idx="1">
-            <a:schemeClr val="accent1"/>
-          </a:fillRef>
-          <a:effectRef idx="0">
-            <a:schemeClr val="accent1"/>
-          </a:effectRef>
-          <a:fontRef idx="minor">
-            <a:schemeClr val="lt1"/>
-          </a:fontRef>
-        </p:style>
-        <p:txBody>
-          <a:bodyPr rtlCol="0" anchor="ctr"/>
-          <a:lstStyle/>
-          <a:p>
-            <a:pPr algn="ctr"/>
-            <a:r>
-              <a:rPr lang="da-DK" sz="3600" smtClean="0"/>
-              <a:t>Entity Framework</a:t>
-            </a:r>
-          </a:p>
-        </p:txBody>
-      </p:sp>
-      <p:sp>
-        <p:nvSpPr>
-          <p:cNvPr id="12" name="Opad-nedadgående pil 11"/>
-          <p:cNvSpPr/>
-          <p:nvPr/>
-        </p:nvSpPr>
-        <p:spPr>
-          <a:xfrm>
-            <a:off x="9228220" y="3830048"/>
-            <a:ext cx="733926" cy="1371603"/>
-          </a:xfrm>
-          <a:prstGeom prst="upDownArrow">
-            <a:avLst/>
-          </a:prstGeom>
-          <a:solidFill>
-            <a:schemeClr val="tx1">
-              <a:lumMod val="65000"/>
-              <a:lumOff val="35000"/>
-            </a:schemeClr>
-          </a:solidFill>
-        </p:spPr>
-        <p:style>
-          <a:lnRef idx="2">
-            <a:schemeClr val="accent1">
-              <a:shade val="50000"/>
-            </a:schemeClr>
-          </a:lnRef>
-          <a:fillRef idx="1">
-            <a:schemeClr val="accent1"/>
-          </a:fillRef>
-          <a:effectRef idx="0">
-            <a:schemeClr val="accent1"/>
-          </a:effectRef>
-          <a:fontRef idx="minor">
-            <a:schemeClr val="lt1"/>
-          </a:fontRef>
-        </p:style>
-        <p:txBody>
-          <a:bodyPr rtlCol="0" anchor="ctr"/>
-          <a:lstStyle/>
-          <a:p>
-            <a:pPr algn="ctr"/>
-            <a:endParaRPr lang="da-DK"/>
-          </a:p>
-        </p:txBody>
-      </p:sp>
-      <p:sp>
-        <p:nvSpPr>
-          <p:cNvPr id="15" name="Opad-nedadgående pil 14"/>
-          <p:cNvSpPr/>
-          <p:nvPr/>
-        </p:nvSpPr>
-        <p:spPr>
-          <a:xfrm>
-            <a:off x="9228220" y="1414709"/>
-            <a:ext cx="733926" cy="1371603"/>
-          </a:xfrm>
-          <a:prstGeom prst="upDownArrow">
-            <a:avLst/>
-          </a:prstGeom>
-          <a:solidFill>
-            <a:schemeClr val="tx1">
-              <a:lumMod val="65000"/>
-              <a:lumOff val="35000"/>
-            </a:schemeClr>
-          </a:solidFill>
-        </p:spPr>
-        <p:style>
-          <a:lnRef idx="2">
-            <a:schemeClr val="accent1">
-              <a:shade val="50000"/>
-            </a:schemeClr>
-          </a:lnRef>
-          <a:fillRef idx="1">
-            <a:schemeClr val="accent1"/>
-          </a:fillRef>
-          <a:effectRef idx="0">
-            <a:schemeClr val="accent1"/>
-          </a:effectRef>
-          <a:fontRef idx="minor">
-            <a:schemeClr val="lt1"/>
-          </a:fontRef>
-        </p:style>
-        <p:txBody>
-          <a:bodyPr rtlCol="0" anchor="ctr"/>
-          <a:lstStyle/>
-          <a:p>
-            <a:pPr algn="ctr"/>
-            <a:endParaRPr lang="da-DK"/>
-          </a:p>
-        </p:txBody>
-      </p:sp>
-      <p:sp>
-        <p:nvSpPr>
-          <p:cNvPr id="6" name="Højre-venstrepil 5"/>
-          <p:cNvSpPr/>
-          <p:nvPr/>
-        </p:nvSpPr>
-        <p:spPr>
-          <a:xfrm>
-            <a:off x="3001879" y="475245"/>
-            <a:ext cx="5263816" cy="866274"/>
-          </a:xfrm>
-          <a:prstGeom prst="leftRightArrow">
-            <a:avLst/>
-          </a:prstGeom>
-          <a:solidFill>
-            <a:schemeClr val="tx1">
-              <a:lumMod val="65000"/>
-              <a:lumOff val="35000"/>
-            </a:schemeClr>
-          </a:solidFill>
-        </p:spPr>
-        <p:style>
-          <a:lnRef idx="2">
-            <a:schemeClr val="accent1">
-              <a:shade val="50000"/>
-            </a:schemeClr>
-          </a:lnRef>
-          <a:fillRef idx="1">
-            <a:schemeClr val="accent1"/>
-          </a:fillRef>
-          <a:effectRef idx="0">
-            <a:schemeClr val="accent1"/>
-          </a:effectRef>
-          <a:fontRef idx="minor">
-            <a:schemeClr val="lt1"/>
-          </a:fontRef>
-        </p:style>
-        <p:txBody>
-          <a:bodyPr rtlCol="0" anchor="ctr"/>
-          <a:lstStyle/>
-          <a:p>
-            <a:pPr algn="ctr"/>
-            <a:r>
-              <a:rPr lang="da-DK" smtClean="0"/>
-              <a:t>HTTP Request/Response</a:t>
-            </a:r>
-            <a:endParaRPr lang="da-DK"/>
-          </a:p>
-        </p:txBody>
-      </p:sp>
-      <p:sp>
-        <p:nvSpPr>
-          <p:cNvPr id="13" name="Titel 1"/>
-          <p:cNvSpPr txBox="1">
-            <a:spLocks/>
-          </p:cNvSpPr>
-          <p:nvPr/>
-        </p:nvSpPr>
-        <p:spPr>
-          <a:xfrm>
-            <a:off x="1524001" y="3459079"/>
-            <a:ext cx="2813384" cy="808120"/>
-          </a:xfrm>
-          <a:prstGeom prst="rect">
-            <a:avLst/>
-          </a:prstGeom>
-        </p:spPr>
-        <p:txBody>
-          <a:bodyPr vert="horz" lIns="91440" tIns="45720" rIns="91440" bIns="45720" rtlCol="0" anchor="ctr">
-            <a:noAutofit/>
-          </a:bodyPr>
-          <a:lstStyle>
-            <a:lvl1pPr algn="l" defTabSz="914400" rtl="0" eaLnBrk="1" latinLnBrk="0" hangingPunct="1">
-              <a:lnSpc>
-                <a:spcPct val="90000"/>
-              </a:lnSpc>
-              <a:spcBef>
-                <a:spcPct val="0"/>
-              </a:spcBef>
-              <a:buNone/>
-              <a:defRPr sz="4400" kern="1200">
-                <a:solidFill>
-                  <a:schemeClr val="tx1"/>
-                </a:solidFill>
-                <a:latin typeface="+mj-lt"/>
-                <a:ea typeface="+mj-ea"/>
-                <a:cs typeface="+mj-cs"/>
-              </a:defRPr>
-            </a:lvl1pPr>
-          </a:lstStyle>
-          <a:p>
-            <a:r>
-              <a:rPr lang="da-DK" sz="4800" b="1" smtClean="0"/>
-              <a:t>Stage 3</a:t>
-            </a:r>
-            <a:endParaRPr lang="da-DK" sz="4800" b="1"/>
-          </a:p>
-        </p:txBody>
-      </p:sp>
-    </p:spTree>
-    <p:extLst>
-      <p:ext uri="{BB962C8B-B14F-4D97-AF65-F5344CB8AC3E}">
-        <p14:creationId xmlns:p14="http://schemas.microsoft.com/office/powerpoint/2010/main" val="1064052435"/>
-      </p:ext>
-    </p:extLst>
-  </p:cSld>
-  <p:clrMapOvr>
-    <a:masterClrMapping/>
-  </p:clrMapOvr>
-  <mc:AlternateContent xmlns:mc="http://schemas.openxmlformats.org/markup-compatibility/2006" xmlns:p14="http://schemas.microsoft.com/office/powerpoint/2010/main">
-    <mc:Choice Requires="p14">
-      <p:transition spd="med" p14:dur="700">
-        <p:fade/>
-      </p:transition>
-    </mc:Choice>
-    <mc:Fallback xmlns="">
-      <p:transition spd="med">
-        <p:fade/>
-      </p:transition>
-    </mc:Fallback>
-  </mc:AlternateContent>
-  <p:timing>
-    <p:tnLst>
-      <p:par>
-        <p:cTn id="1" dur="indefinite" restart="never" nodeType="tmRoot"/>
-      </p:par>
-    </p:tnLst>
-  </p:timing>
-</p:sld>
-</file>
-
-<file path=ppt/slides/slide17.xml><?xml version="1.0" encoding="utf-8"?>
-<p:sld xmlns:a="http://schemas.openxmlformats.org/drawingml/2006/main" xmlns:r="http://schemas.openxmlformats.org/officeDocument/2006/relationships" xmlns:p="http://schemas.openxmlformats.org/presentationml/2006/main">
-  <p:cSld>
-    <p:spTree>
-      <p:nvGrpSpPr>
-        <p:cNvPr id="1" name=""/>
-        <p:cNvGrpSpPr/>
-        <p:nvPr/>
-      </p:nvGrpSpPr>
-      <p:grpSpPr>
-        <a:xfrm>
-          <a:off x="0" y="0"/>
-          <a:ext cx="0" cy="0"/>
-          <a:chOff x="0" y="0"/>
-          <a:chExt cx="0" cy="0"/>
-        </a:xfrm>
-      </p:grpSpPr>
-      <p:sp>
-        <p:nvSpPr>
-          <p:cNvPr id="10" name="Afrundet rektangel 9"/>
-          <p:cNvSpPr/>
-          <p:nvPr/>
-        </p:nvSpPr>
-        <p:spPr>
-          <a:xfrm>
-            <a:off x="1124953" y="210552"/>
-            <a:ext cx="2045368" cy="1395663"/>
-          </a:xfrm>
-          <a:prstGeom prst="roundRect">
-            <a:avLst/>
-          </a:prstGeom>
-        </p:spPr>
-        <p:style>
-          <a:lnRef idx="2">
-            <a:schemeClr val="accent1">
-              <a:shade val="50000"/>
-            </a:schemeClr>
-          </a:lnRef>
-          <a:fillRef idx="1">
-            <a:schemeClr val="accent1"/>
-          </a:fillRef>
-          <a:effectRef idx="0">
-            <a:schemeClr val="accent1"/>
-          </a:effectRef>
-          <a:fontRef idx="minor">
-            <a:schemeClr val="lt1"/>
-          </a:fontRef>
-        </p:style>
-        <p:txBody>
-          <a:bodyPr rtlCol="0" anchor="ctr"/>
-          <a:lstStyle/>
-          <a:p>
-            <a:pPr algn="ctr"/>
-            <a:r>
-              <a:rPr lang="da-DK" sz="3600" smtClean="0"/>
-              <a:t>App</a:t>
-            </a:r>
-          </a:p>
-          <a:p>
-            <a:pPr algn="ctr"/>
-            <a:r>
-              <a:rPr lang="da-DK" sz="2400" smtClean="0"/>
-              <a:t>(UWP)</a:t>
-            </a:r>
-            <a:endParaRPr lang="da-DK" sz="2400"/>
-          </a:p>
-        </p:txBody>
-      </p:sp>
-      <p:sp>
-        <p:nvSpPr>
-          <p:cNvPr id="9" name="Afrundet rektangel 8"/>
-          <p:cNvSpPr/>
-          <p:nvPr/>
-        </p:nvSpPr>
-        <p:spPr>
-          <a:xfrm>
-            <a:off x="6346658" y="134352"/>
-            <a:ext cx="5528509" cy="6519111"/>
-          </a:xfrm>
-          <a:prstGeom prst="roundRect">
-            <a:avLst/>
-          </a:prstGeom>
-          <a:solidFill>
-            <a:schemeClr val="bg1">
-              <a:lumMod val="50000"/>
-            </a:schemeClr>
-          </a:solidFill>
-          <a:ln>
-            <a:solidFill>
-              <a:schemeClr val="bg1">
-                <a:lumMod val="50000"/>
-              </a:schemeClr>
-            </a:solidFill>
-          </a:ln>
-        </p:spPr>
-        <p:style>
-          <a:lnRef idx="2">
-            <a:schemeClr val="accent1">
-              <a:shade val="50000"/>
-            </a:schemeClr>
-          </a:lnRef>
-          <a:fillRef idx="1">
-            <a:schemeClr val="accent1"/>
-          </a:fillRef>
-          <a:effectRef idx="0">
-            <a:schemeClr val="accent1"/>
-          </a:effectRef>
-          <a:fontRef idx="minor">
-            <a:schemeClr val="lt1"/>
-          </a:fontRef>
-        </p:style>
-        <p:txBody>
-          <a:bodyPr rtlCol="0" anchor="ctr"/>
-          <a:lstStyle/>
-          <a:p>
-            <a:r>
-              <a:rPr lang="da-DK" sz="3200" smtClean="0">
-                <a:solidFill>
-                  <a:srgbClr val="FFFF00"/>
-                </a:solidFill>
-              </a:rPr>
-              <a:t>Azure</a:t>
-            </a:r>
-            <a:endParaRPr lang="da-DK" sz="3200">
-              <a:solidFill>
-                <a:srgbClr val="FFFF00"/>
-              </a:solidFill>
-            </a:endParaRPr>
-          </a:p>
-        </p:txBody>
-      </p:sp>
-      <p:sp>
-        <p:nvSpPr>
-          <p:cNvPr id="5" name="Afrundet rektangel 4"/>
-          <p:cNvSpPr/>
-          <p:nvPr/>
-        </p:nvSpPr>
-        <p:spPr>
-          <a:xfrm>
-            <a:off x="8079204" y="210551"/>
-            <a:ext cx="3031958" cy="1395663"/>
-          </a:xfrm>
-          <a:prstGeom prst="roundRect">
-            <a:avLst/>
-          </a:prstGeom>
-          <a:solidFill>
-            <a:srgbClr val="C00000"/>
-          </a:solidFill>
-        </p:spPr>
-        <p:style>
-          <a:lnRef idx="2">
-            <a:schemeClr val="accent1">
-              <a:shade val="50000"/>
-            </a:schemeClr>
-          </a:lnRef>
-          <a:fillRef idx="1">
-            <a:schemeClr val="accent1"/>
-          </a:fillRef>
-          <a:effectRef idx="0">
-            <a:schemeClr val="accent1"/>
-          </a:effectRef>
-          <a:fontRef idx="minor">
-            <a:schemeClr val="lt1"/>
-          </a:fontRef>
-        </p:style>
-        <p:txBody>
-          <a:bodyPr rtlCol="0" anchor="ctr"/>
-          <a:lstStyle/>
-          <a:p>
-            <a:pPr algn="ctr"/>
-            <a:r>
-              <a:rPr lang="da-DK" sz="3600" smtClean="0"/>
-              <a:t>Web Service</a:t>
-            </a:r>
-          </a:p>
-        </p:txBody>
-      </p:sp>
-      <p:sp>
-        <p:nvSpPr>
-          <p:cNvPr id="2" name="Magnetpladelager 1"/>
-          <p:cNvSpPr/>
-          <p:nvPr/>
-        </p:nvSpPr>
-        <p:spPr>
-          <a:xfrm>
-            <a:off x="8079204" y="4855745"/>
-            <a:ext cx="3031958" cy="1617245"/>
-          </a:xfrm>
-          <a:prstGeom prst="flowChartMagneticDisk">
-            <a:avLst/>
-          </a:prstGeom>
-          <a:solidFill>
-            <a:schemeClr val="accent6">
-              <a:lumMod val="75000"/>
-            </a:schemeClr>
-          </a:solidFill>
-        </p:spPr>
-        <p:style>
-          <a:lnRef idx="2">
-            <a:schemeClr val="accent1">
-              <a:shade val="50000"/>
-            </a:schemeClr>
-          </a:lnRef>
-          <a:fillRef idx="1">
-            <a:schemeClr val="accent1"/>
-          </a:fillRef>
-          <a:effectRef idx="0">
-            <a:schemeClr val="accent1"/>
-          </a:effectRef>
-          <a:fontRef idx="minor">
-            <a:schemeClr val="lt1"/>
-          </a:fontRef>
-        </p:style>
-        <p:txBody>
-          <a:bodyPr rtlCol="0" anchor="ctr"/>
-          <a:lstStyle/>
-          <a:p>
-            <a:pPr algn="ctr"/>
-            <a:r>
-              <a:rPr lang="da-DK" sz="3600" smtClean="0"/>
-              <a:t>Database</a:t>
-            </a:r>
-            <a:endParaRPr lang="da-DK" sz="3600"/>
-          </a:p>
-        </p:txBody>
-      </p:sp>
-      <p:sp>
-        <p:nvSpPr>
-          <p:cNvPr id="11" name="Afrundet rektangel 10"/>
-          <p:cNvSpPr/>
-          <p:nvPr/>
-        </p:nvSpPr>
-        <p:spPr>
-          <a:xfrm>
-            <a:off x="8079204" y="2594806"/>
-            <a:ext cx="3031958" cy="1395663"/>
-          </a:xfrm>
-          <a:prstGeom prst="roundRect">
-            <a:avLst/>
-          </a:prstGeom>
-          <a:solidFill>
-            <a:schemeClr val="accent5">
-              <a:lumMod val="75000"/>
-            </a:schemeClr>
-          </a:solidFill>
-        </p:spPr>
-        <p:style>
-          <a:lnRef idx="2">
-            <a:schemeClr val="accent1">
-              <a:shade val="50000"/>
-            </a:schemeClr>
-          </a:lnRef>
-          <a:fillRef idx="1">
-            <a:schemeClr val="accent1"/>
-          </a:fillRef>
-          <a:effectRef idx="0">
-            <a:schemeClr val="accent1"/>
-          </a:effectRef>
-          <a:fontRef idx="minor">
-            <a:schemeClr val="lt1"/>
-          </a:fontRef>
-        </p:style>
-        <p:txBody>
-          <a:bodyPr rtlCol="0" anchor="ctr"/>
-          <a:lstStyle/>
-          <a:p>
-            <a:pPr algn="ctr"/>
-            <a:r>
-              <a:rPr lang="da-DK" sz="3600" smtClean="0"/>
-              <a:t>Entity Framework</a:t>
-            </a:r>
-          </a:p>
-        </p:txBody>
-      </p:sp>
-      <p:sp>
-        <p:nvSpPr>
-          <p:cNvPr id="12" name="Opad-nedadgående pil 11"/>
-          <p:cNvSpPr/>
-          <p:nvPr/>
-        </p:nvSpPr>
-        <p:spPr>
-          <a:xfrm>
-            <a:off x="9228220" y="3830048"/>
-            <a:ext cx="733926" cy="1371603"/>
-          </a:xfrm>
-          <a:prstGeom prst="upDownArrow">
-            <a:avLst/>
-          </a:prstGeom>
-          <a:solidFill>
-            <a:schemeClr val="tx1">
-              <a:lumMod val="65000"/>
-              <a:lumOff val="35000"/>
-            </a:schemeClr>
-          </a:solidFill>
-        </p:spPr>
-        <p:style>
-          <a:lnRef idx="2">
-            <a:schemeClr val="accent1">
-              <a:shade val="50000"/>
-            </a:schemeClr>
-          </a:lnRef>
-          <a:fillRef idx="1">
-            <a:schemeClr val="accent1"/>
-          </a:fillRef>
-          <a:effectRef idx="0">
-            <a:schemeClr val="accent1"/>
-          </a:effectRef>
-          <a:fontRef idx="minor">
-            <a:schemeClr val="lt1"/>
-          </a:fontRef>
-        </p:style>
-        <p:txBody>
-          <a:bodyPr rtlCol="0" anchor="ctr"/>
-          <a:lstStyle/>
-          <a:p>
-            <a:pPr algn="ctr"/>
-            <a:endParaRPr lang="da-DK"/>
-          </a:p>
-        </p:txBody>
-      </p:sp>
-      <p:sp>
-        <p:nvSpPr>
-          <p:cNvPr id="15" name="Opad-nedadgående pil 14"/>
-          <p:cNvSpPr/>
-          <p:nvPr/>
-        </p:nvSpPr>
-        <p:spPr>
-          <a:xfrm>
-            <a:off x="9228220" y="1414709"/>
-            <a:ext cx="733926" cy="1371603"/>
-          </a:xfrm>
-          <a:prstGeom prst="upDownArrow">
-            <a:avLst/>
-          </a:prstGeom>
-          <a:solidFill>
-            <a:schemeClr val="tx1">
-              <a:lumMod val="65000"/>
-              <a:lumOff val="35000"/>
-            </a:schemeClr>
-          </a:solidFill>
-        </p:spPr>
-        <p:style>
-          <a:lnRef idx="2">
-            <a:schemeClr val="accent1">
-              <a:shade val="50000"/>
-            </a:schemeClr>
-          </a:lnRef>
-          <a:fillRef idx="1">
-            <a:schemeClr val="accent1"/>
-          </a:fillRef>
-          <a:effectRef idx="0">
-            <a:schemeClr val="accent1"/>
-          </a:effectRef>
-          <a:fontRef idx="minor">
-            <a:schemeClr val="lt1"/>
-          </a:fontRef>
-        </p:style>
-        <p:txBody>
-          <a:bodyPr rtlCol="0" anchor="ctr"/>
-          <a:lstStyle/>
-          <a:p>
-            <a:pPr algn="ctr"/>
-            <a:endParaRPr lang="da-DK"/>
-          </a:p>
-        </p:txBody>
-      </p:sp>
-      <p:sp>
-        <p:nvSpPr>
-          <p:cNvPr id="6" name="Højre-venstrepil 5"/>
-          <p:cNvSpPr/>
-          <p:nvPr/>
-        </p:nvSpPr>
-        <p:spPr>
-          <a:xfrm>
-            <a:off x="3001879" y="475245"/>
-            <a:ext cx="5263816" cy="866274"/>
-          </a:xfrm>
-          <a:prstGeom prst="leftRightArrow">
-            <a:avLst/>
-          </a:prstGeom>
-          <a:solidFill>
-            <a:schemeClr val="tx1">
-              <a:lumMod val="65000"/>
-              <a:lumOff val="35000"/>
-            </a:schemeClr>
-          </a:solidFill>
-        </p:spPr>
-        <p:style>
-          <a:lnRef idx="2">
-            <a:schemeClr val="accent1">
-              <a:shade val="50000"/>
-            </a:schemeClr>
-          </a:lnRef>
-          <a:fillRef idx="1">
-            <a:schemeClr val="accent1"/>
-          </a:fillRef>
-          <a:effectRef idx="0">
-            <a:schemeClr val="accent1"/>
-          </a:effectRef>
-          <a:fontRef idx="minor">
-            <a:schemeClr val="lt1"/>
-          </a:fontRef>
-        </p:style>
-        <p:txBody>
-          <a:bodyPr rtlCol="0" anchor="ctr"/>
-          <a:lstStyle/>
-          <a:p>
-            <a:pPr algn="ctr"/>
-            <a:r>
-              <a:rPr lang="da-DK" smtClean="0"/>
-              <a:t>HTTP Request/Response</a:t>
-            </a:r>
-            <a:endParaRPr lang="da-DK"/>
-          </a:p>
-        </p:txBody>
-      </p:sp>
-      <p:sp>
-        <p:nvSpPr>
-          <p:cNvPr id="13" name="Titel 1"/>
-          <p:cNvSpPr txBox="1">
-            <a:spLocks/>
-          </p:cNvSpPr>
-          <p:nvPr/>
-        </p:nvSpPr>
-        <p:spPr>
-          <a:xfrm>
-            <a:off x="1524001" y="3459079"/>
-            <a:ext cx="2813384" cy="808120"/>
-          </a:xfrm>
-          <a:prstGeom prst="rect">
-            <a:avLst/>
-          </a:prstGeom>
-        </p:spPr>
-        <p:txBody>
-          <a:bodyPr vert="horz" lIns="91440" tIns="45720" rIns="91440" bIns="45720" rtlCol="0" anchor="ctr">
-            <a:noAutofit/>
-          </a:bodyPr>
-          <a:lstStyle>
-            <a:lvl1pPr algn="l" defTabSz="914400" rtl="0" eaLnBrk="1" latinLnBrk="0" hangingPunct="1">
-              <a:lnSpc>
-                <a:spcPct val="90000"/>
-              </a:lnSpc>
-              <a:spcBef>
-                <a:spcPct val="0"/>
-              </a:spcBef>
-              <a:buNone/>
-              <a:defRPr sz="4400" kern="1200">
-                <a:solidFill>
-                  <a:schemeClr val="tx1"/>
-                </a:solidFill>
-                <a:latin typeface="+mj-lt"/>
-                <a:ea typeface="+mj-ea"/>
-                <a:cs typeface="+mj-cs"/>
-              </a:defRPr>
-            </a:lvl1pPr>
-          </a:lstStyle>
-          <a:p>
-            <a:r>
-              <a:rPr lang="da-DK" sz="4800" b="1" smtClean="0"/>
-              <a:t>Stage 4</a:t>
-            </a:r>
-            <a:endParaRPr lang="da-DK" sz="4800" b="1"/>
-          </a:p>
-        </p:txBody>
-      </p:sp>
-    </p:spTree>
-    <p:extLst>
-      <p:ext uri="{BB962C8B-B14F-4D97-AF65-F5344CB8AC3E}">
-        <p14:creationId xmlns:p14="http://schemas.microsoft.com/office/powerpoint/2010/main" val="1136419226"/>
-      </p:ext>
-    </p:extLst>
-  </p:cSld>
-  <p:clrMapOvr>
-    <a:masterClrMapping/>
-  </p:clrMapOvr>
-  <mc:AlternateContent xmlns:mc="http://schemas.openxmlformats.org/markup-compatibility/2006" xmlns:p14="http://schemas.microsoft.com/office/powerpoint/2010/main">
-    <mc:Choice Requires="p14">
-      <p:transition spd="med" p14:dur="700">
-        <p:fade/>
-      </p:transition>
-    </mc:Choice>
-    <mc:Fallback xmlns="">
-      <p:transition spd="med">
-        <p:fade/>
-      </p:transition>
-    </mc:Fallback>
-  </mc:AlternateContent>
-  <p:timing>
-    <p:tnLst>
-      <p:par>
-        <p:cTn id="1" dur="indefinite" restart="never" nodeType="tmRoot"/>
-      </p:par>
-    </p:tnLst>
-  </p:timing>
-</p:sld>
-</file>
-
 <file path=ppt/slides/slide2.xml><?xml version="1.0" encoding="utf-8"?>
 <p:sld xmlns:a="http://schemas.openxmlformats.org/drawingml/2006/main" xmlns:r="http://schemas.openxmlformats.org/officeDocument/2006/relationships" xmlns:p="http://schemas.openxmlformats.org/presentationml/2006/main">
   <p:cSld>
@@ -7515,83 +4121,7 @@
   <p:timing>
     <p:tnLst>
       <p:par>
-        <p:cTn id="1" dur="indefinite" restart="never" nodeType="tmRoot">
-          <p:childTnLst>
-            <p:seq concurrent="1" nextAc="seek">
-              <p:cTn id="2" dur="indefinite" nodeType="mainSeq">
-                <p:childTnLst>
-                  <p:par>
-                    <p:cTn id="3" fill="hold">
-                      <p:stCondLst>
-                        <p:cond delay="indefinite"/>
-                      </p:stCondLst>
-                      <p:childTnLst>
-                        <p:par>
-                          <p:cTn id="4" fill="hold">
-                            <p:stCondLst>
-                              <p:cond delay="0"/>
-                            </p:stCondLst>
-                            <p:childTnLst>
-                              <p:par>
-                                <p:cTn id="5" presetID="10" presetClass="entr" presetSubtype="0" fill="hold" nodeType="clickEffect">
-                                  <p:stCondLst>
-                                    <p:cond delay="0"/>
-                                  </p:stCondLst>
-                                  <p:childTnLst>
-                                    <p:set>
-                                      <p:cBhvr>
-                                        <p:cTn id="6" dur="1" fill="hold">
-                                          <p:stCondLst>
-                                            <p:cond delay="0"/>
-                                          </p:stCondLst>
-                                        </p:cTn>
-                                        <p:tgtEl>
-                                          <p:spTgt spid="9"/>
-                                        </p:tgtEl>
-                                        <p:attrNameLst>
-                                          <p:attrName>style.visibility</p:attrName>
-                                        </p:attrNameLst>
-                                      </p:cBhvr>
-                                      <p:to>
-                                        <p:strVal val="visible"/>
-                                      </p:to>
-                                    </p:set>
-                                    <p:animEffect transition="in" filter="fade">
-                                      <p:cBhvr>
-                                        <p:cTn id="7" dur="500"/>
-                                        <p:tgtEl>
-                                          <p:spTgt spid="9"/>
-                                        </p:tgtEl>
-                                      </p:cBhvr>
-                                    </p:animEffect>
-                                  </p:childTnLst>
-                                </p:cTn>
-                              </p:par>
-                            </p:childTnLst>
-                          </p:cTn>
-                        </p:par>
-                      </p:childTnLst>
-                    </p:cTn>
-                  </p:par>
-                </p:childTnLst>
-              </p:cTn>
-              <p:prevCondLst>
-                <p:cond evt="onPrev" delay="0">
-                  <p:tgtEl>
-                    <p:sldTgt/>
-                  </p:tgtEl>
-                </p:cond>
-              </p:prevCondLst>
-              <p:nextCondLst>
-                <p:cond evt="onNext" delay="0">
-                  <p:tgtEl>
-                    <p:sldTgt/>
-                  </p:tgtEl>
-                </p:cond>
-              </p:nextCondLst>
-            </p:seq>
-          </p:childTnLst>
-        </p:cTn>
+        <p:cTn id="1" dur="indefinite" restart="never" nodeType="tmRoot"/>
       </p:par>
     </p:tnLst>
   </p:timing>
@@ -7931,88 +4461,9 @@
   <p:timing>
     <p:tnLst>
       <p:par>
-        <p:cTn id="1" dur="indefinite" restart="never" nodeType="tmRoot">
-          <p:childTnLst>
-            <p:seq concurrent="1" nextAc="seek">
-              <p:cTn id="2" dur="indefinite" nodeType="mainSeq">
-                <p:childTnLst>
-                  <p:par>
-                    <p:cTn id="3" fill="hold">
-                      <p:stCondLst>
-                        <p:cond delay="indefinite"/>
-                      </p:stCondLst>
-                      <p:childTnLst>
-                        <p:par>
-                          <p:cTn id="4" fill="hold">
-                            <p:stCondLst>
-                              <p:cond delay="0"/>
-                            </p:stCondLst>
-                            <p:childTnLst>
-                              <p:par>
-                                <p:cTn id="5" presetID="10" presetClass="entr" presetSubtype="0" fill="hold" grpId="0" nodeType="clickEffect">
-                                  <p:stCondLst>
-                                    <p:cond delay="0"/>
-                                  </p:stCondLst>
-                                  <p:childTnLst>
-                                    <p:set>
-                                      <p:cBhvr>
-                                        <p:cTn id="6" dur="1" fill="hold">
-                                          <p:stCondLst>
-                                            <p:cond delay="0"/>
-                                          </p:stCondLst>
-                                        </p:cTn>
-                                        <p:tgtEl>
-                                          <p:spTgt spid="9"/>
-                                        </p:tgtEl>
-                                        <p:attrNameLst>
-                                          <p:attrName>style.visibility</p:attrName>
-                                        </p:attrNameLst>
-                                      </p:cBhvr>
-                                      <p:to>
-                                        <p:strVal val="visible"/>
-                                      </p:to>
-                                    </p:set>
-                                    <p:animEffect transition="in" filter="fade">
-                                      <p:cBhvr>
-                                        <p:cTn id="7" dur="500"/>
-                                        <p:tgtEl>
-                                          <p:spTgt spid="9"/>
-                                        </p:tgtEl>
-                                      </p:cBhvr>
-                                    </p:animEffect>
-                                  </p:childTnLst>
-                                </p:cTn>
-                              </p:par>
-                            </p:childTnLst>
-                          </p:cTn>
-                        </p:par>
-                      </p:childTnLst>
-                    </p:cTn>
-                  </p:par>
-                </p:childTnLst>
-              </p:cTn>
-              <p:prevCondLst>
-                <p:cond evt="onPrev" delay="0">
-                  <p:tgtEl>
-                    <p:sldTgt/>
-                  </p:tgtEl>
-                </p:cond>
-              </p:prevCondLst>
-              <p:nextCondLst>
-                <p:cond evt="onNext" delay="0">
-                  <p:tgtEl>
-                    <p:sldTgt/>
-                  </p:tgtEl>
-                </p:cond>
-              </p:nextCondLst>
-            </p:seq>
-          </p:childTnLst>
-        </p:cTn>
+        <p:cTn id="1" dur="indefinite" restart="never" nodeType="tmRoot"/>
       </p:par>
     </p:tnLst>
-    <p:bldLst>
-      <p:bldP spid="9" grpId="0" animBg="1"/>
-    </p:bldLst>
   </p:timing>
 </p:sld>
 </file>
@@ -8296,7 +4747,15 @@
             <a:pPr algn="ctr"/>
             <a:r>
               <a:rPr lang="da-DK" smtClean="0"/>
-              <a:t>EF Core 2.0 API</a:t>
+              <a:t>EF Core </a:t>
+            </a:r>
+            <a:r>
+              <a:rPr lang="da-DK" smtClean="0"/>
+              <a:t>2.x </a:t>
+            </a:r>
+            <a:r>
+              <a:rPr lang="da-DK" smtClean="0"/>
+              <a:t>API</a:t>
             </a:r>
             <a:endParaRPr lang="da-DK"/>
           </a:p>
@@ -8414,123 +4873,9 @@
   <p:timing>
     <p:tnLst>
       <p:par>
-        <p:cTn id="1" dur="indefinite" restart="never" nodeType="tmRoot">
-          <p:childTnLst>
-            <p:seq concurrent="1" nextAc="seek">
-              <p:cTn id="2" dur="indefinite" nodeType="mainSeq">
-                <p:childTnLst>
-                  <p:par>
-                    <p:cTn id="3" fill="hold">
-                      <p:stCondLst>
-                        <p:cond delay="indefinite"/>
-                      </p:stCondLst>
-                      <p:childTnLst>
-                        <p:par>
-                          <p:cTn id="4" fill="hold">
-                            <p:stCondLst>
-                              <p:cond delay="0"/>
-                            </p:stCondLst>
-                            <p:childTnLst>
-                              <p:par>
-                                <p:cTn id="5" presetID="10" presetClass="entr" presetSubtype="0" fill="hold" grpId="0" nodeType="clickEffect">
-                                  <p:stCondLst>
-                                    <p:cond delay="0"/>
-                                  </p:stCondLst>
-                                  <p:childTnLst>
-                                    <p:set>
-                                      <p:cBhvr>
-                                        <p:cTn id="6" dur="1" fill="hold">
-                                          <p:stCondLst>
-                                            <p:cond delay="0"/>
-                                          </p:stCondLst>
-                                        </p:cTn>
-                                        <p:tgtEl>
-                                          <p:spTgt spid="3"/>
-                                        </p:tgtEl>
-                                        <p:attrNameLst>
-                                          <p:attrName>style.visibility</p:attrName>
-                                        </p:attrNameLst>
-                                      </p:cBhvr>
-                                      <p:to>
-                                        <p:strVal val="visible"/>
-                                      </p:to>
-                                    </p:set>
-                                    <p:animEffect transition="in" filter="fade">
-                                      <p:cBhvr>
-                                        <p:cTn id="7" dur="500"/>
-                                        <p:tgtEl>
-                                          <p:spTgt spid="3"/>
-                                        </p:tgtEl>
-                                      </p:cBhvr>
-                                    </p:animEffect>
-                                  </p:childTnLst>
-                                </p:cTn>
-                              </p:par>
-                              <p:par>
-                                <p:cTn id="8" presetID="10" presetClass="entr" presetSubtype="0" fill="hold" nodeType="withEffect">
-                                  <p:stCondLst>
-                                    <p:cond delay="0"/>
-                                  </p:stCondLst>
-                                  <p:childTnLst>
-                                    <p:set>
-                                      <p:cBhvr>
-                                        <p:cTn id="9" dur="1" fill="hold">
-                                          <p:stCondLst>
-                                            <p:cond delay="0"/>
-                                          </p:stCondLst>
-                                        </p:cTn>
-                                        <p:tgtEl>
-                                          <p:spTgt spid="5"/>
-                                        </p:tgtEl>
-                                        <p:attrNameLst>
-                                          <p:attrName>style.visibility</p:attrName>
-                                        </p:attrNameLst>
-                                      </p:cBhvr>
-                                      <p:to>
-                                        <p:strVal val="visible"/>
-                                      </p:to>
-                                    </p:set>
-                                    <p:animEffect transition="in" filter="fade">
-                                      <p:cBhvr>
-                                        <p:cTn id="10" dur="500"/>
-                                        <p:tgtEl>
-                                          <p:spTgt spid="5"/>
-                                        </p:tgtEl>
-                                      </p:cBhvr>
-                                    </p:animEffect>
-                                  </p:childTnLst>
-                                </p:cTn>
-                              </p:par>
-                            </p:childTnLst>
-                          </p:cTn>
-                        </p:par>
-                      </p:childTnLst>
-                    </p:cTn>
-                  </p:par>
-                </p:childTnLst>
-              </p:cTn>
-              <p:prevCondLst>
-                <p:cond evt="onPrev" delay="0">
-                  <p:tgtEl>
-                    <p:sldTgt/>
-                  </p:tgtEl>
-                </p:cond>
-              </p:prevCondLst>
-              <p:nextCondLst>
-                <p:cond evt="onNext" delay="0">
-                  <p:tgtEl>
-                    <p:sldTgt/>
-                  </p:tgtEl>
-                </p:cond>
-              </p:nextCondLst>
-            </p:seq>
-          </p:childTnLst>
-        </p:cTn>
+        <p:cTn id="1" dur="indefinite" restart="never" nodeType="tmRoot"/>
       </p:par>
     </p:tnLst>
-    <p:bldLst>
-      <p:bldP spid="3" grpId="0" animBg="1"/>
-    </p:bldLst>
   </p:timing>
 </p:sld>
 </file>
@@ -8554,21 +4899,30 @@
       </p:grpSpPr>
       <p:sp>
         <p:nvSpPr>
-          <p:cNvPr id="5" name="Afrundet rektangel 4"/>
+          <p:cNvPr id="9" name="Afrundet rektangel 8"/>
           <p:cNvSpPr/>
           <p:nvPr/>
         </p:nvSpPr>
         <p:spPr>
           <a:xfrm>
-            <a:off x="8079204" y="210551"/>
-            <a:ext cx="3031958" cy="1395663"/>
+            <a:off x="7290486" y="415089"/>
+            <a:ext cx="4028303" cy="6068931"/>
           </a:xfrm>
           <a:prstGeom prst="roundRect">
             <a:avLst/>
           </a:prstGeom>
           <a:solidFill>
-            <a:srgbClr val="C00000"/>
+            <a:schemeClr val="bg1">
+              <a:lumMod val="50000"/>
+            </a:schemeClr>
           </a:solidFill>
+          <a:ln>
+            <a:solidFill>
+              <a:schemeClr val="bg1">
+                <a:lumMod val="50000"/>
+              </a:schemeClr>
+            </a:solidFill>
+          </a:ln>
         </p:spPr>
         <p:style>
           <a:lnRef idx="2">
@@ -8587,14 +4941,22 @@
           </a:fontRef>
         </p:style>
         <p:txBody>
-          <a:bodyPr rtlCol="0" anchor="ctr"/>
-          <a:lstStyle/>
-          <a:p>
-            <a:pPr algn="ctr"/>
-            <a:r>
-              <a:rPr lang="da-DK" sz="3600" smtClean="0"/>
-              <a:t>Web Service</a:t>
-            </a:r>
+          <a:bodyPr rtlCol="0" anchor="t"/>
+          <a:lstStyle/>
+          <a:p>
+            <a:r>
+              <a:rPr lang="da-DK" sz="4800" smtClean="0">
+                <a:solidFill>
+                  <a:srgbClr val="FFFF00"/>
+                </a:solidFill>
+              </a:rPr>
+              <a:t>Local</a:t>
+            </a:r>
+            <a:endParaRPr lang="da-DK" sz="4800">
+              <a:solidFill>
+                <a:srgbClr val="FFFF00"/>
+              </a:solidFill>
+            </a:endParaRPr>
           </a:p>
         </p:txBody>
       </p:sp>
@@ -8606,7 +4968,7 @@
         </p:nvSpPr>
         <p:spPr>
           <a:xfrm>
-            <a:off x="8079204" y="4855745"/>
+            <a:off x="7685251" y="3854915"/>
             <a:ext cx="3031958" cy="1617245"/>
           </a:xfrm>
           <a:prstGeom prst="flowChartMagneticDisk">
@@ -8655,8 +5017,8 @@
         </p:nvSpPr>
         <p:spPr>
           <a:xfrm>
-            <a:off x="1124953" y="210552"/>
-            <a:ext cx="2045368" cy="1395663"/>
+            <a:off x="751974" y="415089"/>
+            <a:ext cx="3758242" cy="6068931"/>
           </a:xfrm>
           <a:prstGeom prst="roundRect">
             <a:avLst/>
@@ -8679,10 +5041,9 @@
           </a:fontRef>
         </p:style>
         <p:txBody>
-          <a:bodyPr rtlCol="0" anchor="ctr"/>
-          <a:lstStyle/>
-          <a:p>
-            <a:pPr algn="ctr"/>
+          <a:bodyPr rtlCol="0" anchor="t"/>
+          <a:lstStyle/>
+          <a:p>
             <a:r>
               <a:rPr lang="da-DK" sz="4800" smtClean="0"/>
               <a:t>App</a:t>
@@ -8699,8 +5060,8 @@
         </p:nvSpPr>
         <p:spPr>
           <a:xfrm>
-            <a:off x="8079204" y="2594806"/>
-            <a:ext cx="3031958" cy="1395663"/>
+            <a:off x="1127960" y="3299254"/>
+            <a:ext cx="3031958" cy="2728568"/>
           </a:xfrm>
           <a:prstGeom prst="roundRect">
             <a:avLst/>
@@ -8734,30 +5095,39 @@
             <a:pPr algn="ctr"/>
             <a:r>
               <a:rPr lang="da-DK" sz="3600" smtClean="0"/>
-              <a:t>Entity Framework</a:t>
-            </a:r>
-          </a:p>
-        </p:txBody>
-      </p:sp>
-      <p:sp>
-        <p:nvSpPr>
-          <p:cNvPr id="12" name="Opad-nedadgående pil 11"/>
+              <a:t>Entity </a:t>
+            </a:r>
+            <a:r>
+              <a:rPr lang="da-DK" sz="3600" smtClean="0"/>
+              <a:t>Framework</a:t>
+            </a:r>
+          </a:p>
+          <a:p>
+            <a:pPr algn="ctr"/>
+            <a:r>
+              <a:rPr lang="da-DK" sz="3600" smtClean="0"/>
+              <a:t>(EF Core 2.x)</a:t>
+            </a:r>
+            <a:endParaRPr lang="da-DK" sz="3600" smtClean="0"/>
+          </a:p>
+        </p:txBody>
+      </p:sp>
+      <p:sp>
+        <p:nvSpPr>
+          <p:cNvPr id="10" name="Forbudstavle 9"/>
           <p:cNvSpPr/>
           <p:nvPr/>
         </p:nvSpPr>
         <p:spPr>
           <a:xfrm>
-            <a:off x="9228220" y="3830048"/>
-            <a:ext cx="733926" cy="1371603"/>
-          </a:xfrm>
-          <a:prstGeom prst="upDownArrow">
+            <a:off x="4969459" y="2054914"/>
+            <a:ext cx="1800000" cy="1800000"/>
+          </a:xfrm>
+          <a:prstGeom prst="noSmoking">
             <a:avLst/>
           </a:prstGeom>
           <a:solidFill>
-            <a:schemeClr val="tx1">
-              <a:lumMod val="65000"/>
-              <a:lumOff val="35000"/>
-            </a:schemeClr>
+            <a:srgbClr val="FF0000"/>
           </a:solidFill>
         </p:spPr>
         <p:style>
@@ -8781,66 +5151,24 @@
           <a:lstStyle/>
           <a:p>
             <a:pPr algn="ctr"/>
-            <a:endParaRPr lang="da-DK"/>
-          </a:p>
-        </p:txBody>
-      </p:sp>
-      <p:sp>
-        <p:nvSpPr>
-          <p:cNvPr id="15" name="Opad-nedadgående pil 14"/>
+            <a:endParaRPr lang="da-DK">
+              <a:solidFill>
+                <a:schemeClr val="tx1"/>
+              </a:solidFill>
+            </a:endParaRPr>
+          </a:p>
+        </p:txBody>
+      </p:sp>
+      <p:sp>
+        <p:nvSpPr>
+          <p:cNvPr id="13" name="Højre-venstrepil 12"/>
           <p:cNvSpPr/>
           <p:nvPr/>
         </p:nvSpPr>
         <p:spPr>
           <a:xfrm>
-            <a:off x="9228220" y="1414709"/>
-            <a:ext cx="733926" cy="1371603"/>
-          </a:xfrm>
-          <a:prstGeom prst="upDownArrow">
-            <a:avLst/>
-          </a:prstGeom>
-          <a:solidFill>
-            <a:schemeClr val="tx1">
-              <a:lumMod val="65000"/>
-              <a:lumOff val="35000"/>
-            </a:schemeClr>
-          </a:solidFill>
-        </p:spPr>
-        <p:style>
-          <a:lnRef idx="2">
-            <a:schemeClr val="accent1">
-              <a:shade val="50000"/>
-            </a:schemeClr>
-          </a:lnRef>
-          <a:fillRef idx="1">
-            <a:schemeClr val="accent1"/>
-          </a:fillRef>
-          <a:effectRef idx="0">
-            <a:schemeClr val="accent1"/>
-          </a:effectRef>
-          <a:fontRef idx="minor">
-            <a:schemeClr val="lt1"/>
-          </a:fontRef>
-        </p:style>
-        <p:txBody>
-          <a:bodyPr rtlCol="0" anchor="ctr"/>
-          <a:lstStyle/>
-          <a:p>
-            <a:pPr algn="ctr"/>
-            <a:endParaRPr lang="da-DK"/>
-          </a:p>
-        </p:txBody>
-      </p:sp>
-      <p:sp>
-        <p:nvSpPr>
-          <p:cNvPr id="6" name="Højre-venstrepil 5"/>
-          <p:cNvSpPr/>
-          <p:nvPr/>
-        </p:nvSpPr>
-        <p:spPr>
-          <a:xfrm>
-            <a:off x="3001879" y="475245"/>
-            <a:ext cx="5263816" cy="866274"/>
+            <a:off x="3935912" y="4230400"/>
+            <a:ext cx="3928879" cy="866274"/>
           </a:xfrm>
           <a:prstGeom prst="leftRightArrow">
             <a:avLst/>
@@ -8875,57 +5203,16 @@
             <a:pPr algn="ctr"/>
             <a:r>
               <a:rPr lang="da-DK" smtClean="0"/>
-              <a:t>HTTP Request/Response</a:t>
-            </a:r>
-            <a:endParaRPr lang="da-DK"/>
-          </a:p>
-        </p:txBody>
-      </p:sp>
-      <p:pic>
-        <p:nvPicPr>
-          <p:cNvPr id="9" name="Picture 2" descr="Billedresultat for tick icon"/>
-          <p:cNvPicPr>
-            <a:picLocks noChangeAspect="1" noChangeArrowheads="1"/>
-          </p:cNvPicPr>
-          <p:nvPr/>
-        </p:nvPicPr>
-        <p:blipFill>
-          <a:blip r:embed="rId2" cstate="print">
-            <a:extLst>
-              <a:ext uri="{28A0092B-C50C-407E-A947-70E740481C1C}">
-                <a14:useLocalDpi xmlns:a14="http://schemas.microsoft.com/office/drawing/2010/main" val="0"/>
-              </a:ext>
-            </a:extLst>
-          </a:blip>
-          <a:srcRect/>
-          <a:stretch>
-            <a:fillRect/>
-          </a:stretch>
-        </p:blipFill>
-        <p:spPr bwMode="auto">
-          <a:xfrm>
-            <a:off x="2270321" y="1810912"/>
-            <a:ext cx="1800000" cy="1800000"/>
-          </a:xfrm>
-          <a:prstGeom prst="rect">
-            <a:avLst/>
-          </a:prstGeom>
-          <a:noFill/>
-          <a:extLst>
-            <a:ext uri="{909E8E84-426E-40DD-AFC4-6F175D3DCCD1}">
-              <a14:hiddenFill xmlns:a14="http://schemas.microsoft.com/office/drawing/2010/main">
-                <a:solidFill>
-                  <a:srgbClr val="FFFFFF"/>
-                </a:solidFill>
-              </a14:hiddenFill>
-            </a:ext>
-          </a:extLst>
-        </p:spPr>
-      </p:pic>
+              <a:t>EF Core 2.x</a:t>
+            </a:r>
+            <a:endParaRPr lang="da-DK"/>
+          </a:p>
+        </p:txBody>
+      </p:sp>
     </p:spTree>
     <p:extLst>
       <p:ext uri="{BB962C8B-B14F-4D97-AF65-F5344CB8AC3E}">
-        <p14:creationId xmlns:p14="http://schemas.microsoft.com/office/powerpoint/2010/main" val="539670597"/>
+        <p14:creationId xmlns:p14="http://schemas.microsoft.com/office/powerpoint/2010/main" val="2336578245"/>
       </p:ext>
     </p:extLst>
   </p:cSld>
@@ -8947,339 +5234,9 @@
   <p:timing>
     <p:tnLst>
       <p:par>
-        <p:cTn id="1" dur="indefinite" restart="never" nodeType="tmRoot">
-          <p:childTnLst>
-            <p:seq concurrent="1" nextAc="seek">
-              <p:cTn id="2" dur="indefinite" nodeType="mainSeq">
-                <p:childTnLst>
-                  <p:par>
-                    <p:cTn id="3" fill="hold">
-                      <p:stCondLst>
-                        <p:cond delay="indefinite"/>
-                      </p:stCondLst>
-                      <p:childTnLst>
-                        <p:par>
-                          <p:cTn id="4" fill="hold">
-                            <p:stCondLst>
-                              <p:cond delay="0"/>
-                            </p:stCondLst>
-                            <p:childTnLst>
-                              <p:par>
-                                <p:cTn id="5" presetID="10" presetClass="entr" presetSubtype="0" fill="hold" grpId="0" nodeType="clickEffect">
-                                  <p:stCondLst>
-                                    <p:cond delay="0"/>
-                                  </p:stCondLst>
-                                  <p:childTnLst>
-                                    <p:set>
-                                      <p:cBhvr>
-                                        <p:cTn id="6" dur="1" fill="hold">
-                                          <p:stCondLst>
-                                            <p:cond delay="0"/>
-                                          </p:stCondLst>
-                                        </p:cTn>
-                                        <p:tgtEl>
-                                          <p:spTgt spid="11"/>
-                                        </p:tgtEl>
-                                        <p:attrNameLst>
-                                          <p:attrName>style.visibility</p:attrName>
-                                        </p:attrNameLst>
-                                      </p:cBhvr>
-                                      <p:to>
-                                        <p:strVal val="visible"/>
-                                      </p:to>
-                                    </p:set>
-                                    <p:animEffect transition="in" filter="fade">
-                                      <p:cBhvr>
-                                        <p:cTn id="7" dur="500"/>
-                                        <p:tgtEl>
-                                          <p:spTgt spid="11"/>
-                                        </p:tgtEl>
-                                      </p:cBhvr>
-                                    </p:animEffect>
-                                  </p:childTnLst>
-                                </p:cTn>
-                              </p:par>
-                            </p:childTnLst>
-                          </p:cTn>
-                        </p:par>
-                      </p:childTnLst>
-                    </p:cTn>
-                  </p:par>
-                  <p:par>
-                    <p:cTn id="8" fill="hold">
-                      <p:stCondLst>
-                        <p:cond delay="indefinite"/>
-                      </p:stCondLst>
-                      <p:childTnLst>
-                        <p:par>
-                          <p:cTn id="9" fill="hold">
-                            <p:stCondLst>
-                              <p:cond delay="0"/>
-                            </p:stCondLst>
-                            <p:childTnLst>
-                              <p:par>
-                                <p:cTn id="10" presetID="10" presetClass="entr" presetSubtype="0" fill="hold" grpId="0" nodeType="clickEffect">
-                                  <p:stCondLst>
-                                    <p:cond delay="0"/>
-                                  </p:stCondLst>
-                                  <p:childTnLst>
-                                    <p:set>
-                                      <p:cBhvr>
-                                        <p:cTn id="11" dur="1" fill="hold">
-                                          <p:stCondLst>
-                                            <p:cond delay="0"/>
-                                          </p:stCondLst>
-                                        </p:cTn>
-                                        <p:tgtEl>
-                                          <p:spTgt spid="12"/>
-                                        </p:tgtEl>
-                                        <p:attrNameLst>
-                                          <p:attrName>style.visibility</p:attrName>
-                                        </p:attrNameLst>
-                                      </p:cBhvr>
-                                      <p:to>
-                                        <p:strVal val="visible"/>
-                                      </p:to>
-                                    </p:set>
-                                    <p:animEffect transition="in" filter="fade">
-                                      <p:cBhvr>
-                                        <p:cTn id="12" dur="500"/>
-                                        <p:tgtEl>
-                                          <p:spTgt spid="12"/>
-                                        </p:tgtEl>
-                                      </p:cBhvr>
-                                    </p:animEffect>
-                                  </p:childTnLst>
-                                </p:cTn>
-                              </p:par>
-                            </p:childTnLst>
-                          </p:cTn>
-                        </p:par>
-                      </p:childTnLst>
-                    </p:cTn>
-                  </p:par>
-                  <p:par>
-                    <p:cTn id="13" fill="hold">
-                      <p:stCondLst>
-                        <p:cond delay="indefinite"/>
-                      </p:stCondLst>
-                      <p:childTnLst>
-                        <p:par>
-                          <p:cTn id="14" fill="hold">
-                            <p:stCondLst>
-                              <p:cond delay="0"/>
-                            </p:stCondLst>
-                            <p:childTnLst>
-                              <p:par>
-                                <p:cTn id="15" presetID="10" presetClass="entr" presetSubtype="0" fill="hold" grpId="0" nodeType="clickEffect">
-                                  <p:stCondLst>
-                                    <p:cond delay="0"/>
-                                  </p:stCondLst>
-                                  <p:childTnLst>
-                                    <p:set>
-                                      <p:cBhvr>
-                                        <p:cTn id="16" dur="1" fill="hold">
-                                          <p:stCondLst>
-                                            <p:cond delay="0"/>
-                                          </p:stCondLst>
-                                        </p:cTn>
-                                        <p:tgtEl>
-                                          <p:spTgt spid="5"/>
-                                        </p:tgtEl>
-                                        <p:attrNameLst>
-                                          <p:attrName>style.visibility</p:attrName>
-                                        </p:attrNameLst>
-                                      </p:cBhvr>
-                                      <p:to>
-                                        <p:strVal val="visible"/>
-                                      </p:to>
-                                    </p:set>
-                                    <p:animEffect transition="in" filter="fade">
-                                      <p:cBhvr>
-                                        <p:cTn id="17" dur="500"/>
-                                        <p:tgtEl>
-                                          <p:spTgt spid="5"/>
-                                        </p:tgtEl>
-                                      </p:cBhvr>
-                                    </p:animEffect>
-                                  </p:childTnLst>
-                                </p:cTn>
-                              </p:par>
-                            </p:childTnLst>
-                          </p:cTn>
-                        </p:par>
-                      </p:childTnLst>
-                    </p:cTn>
-                  </p:par>
-                  <p:par>
-                    <p:cTn id="18" fill="hold">
-                      <p:stCondLst>
-                        <p:cond delay="indefinite"/>
-                      </p:stCondLst>
-                      <p:childTnLst>
-                        <p:par>
-                          <p:cTn id="19" fill="hold">
-                            <p:stCondLst>
-                              <p:cond delay="0"/>
-                            </p:stCondLst>
-                            <p:childTnLst>
-                              <p:par>
-                                <p:cTn id="20" presetID="10" presetClass="entr" presetSubtype="0" fill="hold" grpId="0" nodeType="clickEffect">
-                                  <p:stCondLst>
-                                    <p:cond delay="0"/>
-                                  </p:stCondLst>
-                                  <p:childTnLst>
-                                    <p:set>
-                                      <p:cBhvr>
-                                        <p:cTn id="21" dur="1" fill="hold">
-                                          <p:stCondLst>
-                                            <p:cond delay="0"/>
-                                          </p:stCondLst>
-                                        </p:cTn>
-                                        <p:tgtEl>
-                                          <p:spTgt spid="6"/>
-                                        </p:tgtEl>
-                                        <p:attrNameLst>
-                                          <p:attrName>style.visibility</p:attrName>
-                                        </p:attrNameLst>
-                                      </p:cBhvr>
-                                      <p:to>
-                                        <p:strVal val="visible"/>
-                                      </p:to>
-                                    </p:set>
-                                    <p:animEffect transition="in" filter="fade">
-                                      <p:cBhvr>
-                                        <p:cTn id="22" dur="500"/>
-                                        <p:tgtEl>
-                                          <p:spTgt spid="6"/>
-                                        </p:tgtEl>
-                                      </p:cBhvr>
-                                    </p:animEffect>
-                                  </p:childTnLst>
-                                </p:cTn>
-                              </p:par>
-                              <p:par>
-                                <p:cTn id="23" presetID="10" presetClass="entr" presetSubtype="0" fill="hold" grpId="0" nodeType="withEffect">
-                                  <p:stCondLst>
-                                    <p:cond delay="0"/>
-                                  </p:stCondLst>
-                                  <p:childTnLst>
-                                    <p:set>
-                                      <p:cBhvr>
-                                        <p:cTn id="24" dur="1" fill="hold">
-                                          <p:stCondLst>
-                                            <p:cond delay="0"/>
-                                          </p:stCondLst>
-                                        </p:cTn>
-                                        <p:tgtEl>
-                                          <p:spTgt spid="15"/>
-                                        </p:tgtEl>
-                                        <p:attrNameLst>
-                                          <p:attrName>style.visibility</p:attrName>
-                                        </p:attrNameLst>
-                                      </p:cBhvr>
-                                      <p:to>
-                                        <p:strVal val="visible"/>
-                                      </p:to>
-                                    </p:set>
-                                    <p:animEffect transition="in" filter="fade">
-                                      <p:cBhvr>
-                                        <p:cTn id="25" dur="500"/>
-                                        <p:tgtEl>
-                                          <p:spTgt spid="15"/>
-                                        </p:tgtEl>
-                                      </p:cBhvr>
-                                    </p:animEffect>
-                                  </p:childTnLst>
-                                </p:cTn>
-                              </p:par>
-                            </p:childTnLst>
-                          </p:cTn>
-                        </p:par>
-                      </p:childTnLst>
-                    </p:cTn>
-                  </p:par>
-                  <p:par>
-                    <p:cTn id="26" fill="hold">
-                      <p:stCondLst>
-                        <p:cond delay="indefinite"/>
-                      </p:stCondLst>
-                      <p:childTnLst>
-                        <p:par>
-                          <p:cTn id="27" fill="hold">
-                            <p:stCondLst>
-                              <p:cond delay="0"/>
-                            </p:stCondLst>
-                            <p:childTnLst>
-                              <p:par>
-                                <p:cTn id="28" presetID="10" presetClass="entr" presetSubtype="0" fill="hold" nodeType="clickEffect">
-                                  <p:stCondLst>
-                                    <p:cond delay="0"/>
-                                  </p:stCondLst>
-                                  <p:childTnLst>
-                                    <p:set>
-                                      <p:cBhvr>
-                                        <p:cTn id="29" dur="1" fill="hold">
-                                          <p:stCondLst>
-                                            <p:cond delay="0"/>
-                                          </p:stCondLst>
-                                        </p:cTn>
-                                        <p:tgtEl>
-                                          <p:spTgt spid="9"/>
-                                        </p:tgtEl>
-                                        <p:attrNameLst>
-                                          <p:attrName>style.visibility</p:attrName>
-                                        </p:attrNameLst>
-                                      </p:cBhvr>
-                                      <p:to>
-                                        <p:strVal val="visible"/>
-                                      </p:to>
-                                    </p:set>
-                                    <p:animEffect transition="in" filter="fade">
-                                      <p:cBhvr>
-                                        <p:cTn id="30" dur="500"/>
-                                        <p:tgtEl>
-                                          <p:spTgt spid="9"/>
-                                        </p:tgtEl>
-                                      </p:cBhvr>
-                                    </p:animEffect>
-                                  </p:childTnLst>
-                                </p:cTn>
-                              </p:par>
-                            </p:childTnLst>
-                          </p:cTn>
-                        </p:par>
-                      </p:childTnLst>
-                    </p:cTn>
-                  </p:par>
-                </p:childTnLst>
-              </p:cTn>
-              <p:prevCondLst>
-                <p:cond evt="onPrev" delay="0">
-                  <p:tgtEl>
-                    <p:sldTgt/>
-                  </p:tgtEl>
-                </p:cond>
-              </p:prevCondLst>
-              <p:nextCondLst>
-                <p:cond evt="onNext" delay="0">
-                  <p:tgtEl>
-                    <p:sldTgt/>
-                  </p:tgtEl>
-                </p:cond>
-              </p:nextCondLst>
-            </p:seq>
-          </p:childTnLst>
-        </p:cTn>
+        <p:cTn id="1" dur="indefinite" restart="never" nodeType="tmRoot"/>
       </p:par>
     </p:tnLst>
-    <p:bldLst>
-      <p:bldP spid="5" grpId="0" animBg="1"/>
-      <p:bldP spid="11" grpId="0" animBg="1"/>
-      <p:bldP spid="12" grpId="0" animBg="1"/>
-      <p:bldP spid="15" grpId="0" animBg="1"/>
-      <p:bldP spid="6" grpId="0" animBg="1"/>
-    </p:bldLst>
   </p:timing>
 </p:sld>
 </file>
@@ -9301,6 +5258,47 @@
           <a:chExt cx="0" cy="0"/>
         </a:xfrm>
       </p:grpSpPr>
+      <p:pic>
+        <p:nvPicPr>
+          <p:cNvPr id="12" name="Picture 2" descr="Billedresultat for tick icon"/>
+          <p:cNvPicPr>
+            <a:picLocks noChangeAspect="1" noChangeArrowheads="1"/>
+          </p:cNvPicPr>
+          <p:nvPr/>
+        </p:nvPicPr>
+        <p:blipFill>
+          <a:blip r:embed="rId2" cstate="print">
+            <a:extLst>
+              <a:ext uri="{28A0092B-C50C-407E-A947-70E740481C1C}">
+                <a14:useLocalDpi xmlns:a14="http://schemas.microsoft.com/office/drawing/2010/main" val="0"/>
+              </a:ext>
+            </a:extLst>
+          </a:blip>
+          <a:srcRect/>
+          <a:stretch>
+            <a:fillRect/>
+          </a:stretch>
+        </p:blipFill>
+        <p:spPr bwMode="auto">
+          <a:xfrm>
+            <a:off x="4969459" y="2054914"/>
+            <a:ext cx="1800000" cy="1800000"/>
+          </a:xfrm>
+          <a:prstGeom prst="rect">
+            <a:avLst/>
+          </a:prstGeom>
+          <a:noFill/>
+          <a:extLst>
+            <a:ext uri="{909E8E84-426E-40DD-AFC4-6F175D3DCCD1}">
+              <a14:hiddenFill xmlns:a14="http://schemas.microsoft.com/office/drawing/2010/main">
+                <a:solidFill>
+                  <a:srgbClr val="FFFFFF"/>
+                </a:solidFill>
+              </a14:hiddenFill>
+            </a:ext>
+          </a:extLst>
+        </p:spPr>
+      </p:pic>
       <p:sp>
         <p:nvSpPr>
           <p:cNvPr id="9" name="Afrundet rektangel 8"/>
@@ -9309,8 +5307,8 @@
         </p:nvSpPr>
         <p:spPr>
           <a:xfrm>
-            <a:off x="6346658" y="134352"/>
-            <a:ext cx="5528509" cy="6519111"/>
+            <a:off x="7290486" y="415089"/>
+            <a:ext cx="4028303" cy="6068931"/>
           </a:xfrm>
           <a:prstGeom prst="roundRect">
             <a:avLst/>
@@ -9345,18 +5343,18 @@
           </a:fontRef>
         </p:style>
         <p:txBody>
-          <a:bodyPr rtlCol="0" anchor="ctr"/>
-          <a:lstStyle/>
-          <a:p>
-            <a:r>
-              <a:rPr lang="da-DK" sz="3200" smtClean="0">
+          <a:bodyPr rtlCol="0" anchor="t"/>
+          <a:lstStyle/>
+          <a:p>
+            <a:r>
+              <a:rPr lang="da-DK" sz="4800" smtClean="0">
                 <a:solidFill>
                   <a:srgbClr val="FFFF00"/>
                 </a:solidFill>
               </a:rPr>
-              <a:t>Local</a:t>
-            </a:r>
-            <a:endParaRPr lang="da-DK" sz="3200">
+              <a:t>Azure</a:t>
+            </a:r>
+            <a:endParaRPr lang="da-DK" sz="4800">
               <a:solidFill>
                 <a:srgbClr val="FFFF00"/>
               </a:solidFill>
@@ -9366,59 +5364,13 @@
       </p:sp>
       <p:sp>
         <p:nvSpPr>
-          <p:cNvPr id="5" name="Afrundet rektangel 4"/>
-          <p:cNvSpPr/>
-          <p:nvPr/>
-        </p:nvSpPr>
-        <p:spPr>
-          <a:xfrm>
-            <a:off x="8079204" y="210551"/>
-            <a:ext cx="3031958" cy="1395663"/>
-          </a:xfrm>
-          <a:prstGeom prst="roundRect">
-            <a:avLst/>
-          </a:prstGeom>
-          <a:solidFill>
-            <a:srgbClr val="C00000"/>
-          </a:solidFill>
-        </p:spPr>
-        <p:style>
-          <a:lnRef idx="2">
-            <a:schemeClr val="accent1">
-              <a:shade val="50000"/>
-            </a:schemeClr>
-          </a:lnRef>
-          <a:fillRef idx="1">
-            <a:schemeClr val="accent1"/>
-          </a:fillRef>
-          <a:effectRef idx="0">
-            <a:schemeClr val="accent1"/>
-          </a:effectRef>
-          <a:fontRef idx="minor">
-            <a:schemeClr val="lt1"/>
-          </a:fontRef>
-        </p:style>
-        <p:txBody>
-          <a:bodyPr rtlCol="0" anchor="ctr"/>
-          <a:lstStyle/>
-          <a:p>
-            <a:pPr algn="ctr"/>
-            <a:r>
-              <a:rPr lang="da-DK" sz="3600" smtClean="0"/>
-              <a:t>Web Service</a:t>
-            </a:r>
-          </a:p>
-        </p:txBody>
-      </p:sp>
-      <p:sp>
-        <p:nvSpPr>
           <p:cNvPr id="2" name="Magnetpladelager 1"/>
           <p:cNvSpPr/>
           <p:nvPr/>
         </p:nvSpPr>
         <p:spPr>
           <a:xfrm>
-            <a:off x="8079204" y="4855745"/>
+            <a:off x="7685251" y="3854915"/>
             <a:ext cx="3031958" cy="1617245"/>
           </a:xfrm>
           <a:prstGeom prst="flowChartMagneticDisk">
@@ -9467,8 +5419,8 @@
         </p:nvSpPr>
         <p:spPr>
           <a:xfrm>
-            <a:off x="1124953" y="210552"/>
-            <a:ext cx="2045368" cy="1395663"/>
+            <a:off x="751974" y="415089"/>
+            <a:ext cx="3758242" cy="6068931"/>
           </a:xfrm>
           <a:prstGeom prst="roundRect">
             <a:avLst/>
@@ -9491,10 +5443,9 @@
           </a:fontRef>
         </p:style>
         <p:txBody>
-          <a:bodyPr rtlCol="0" anchor="ctr"/>
-          <a:lstStyle/>
-          <a:p>
-            <a:pPr algn="ctr"/>
+          <a:bodyPr rtlCol="0" anchor="t"/>
+          <a:lstStyle/>
+          <a:p>
             <a:r>
               <a:rPr lang="da-DK" sz="4800" smtClean="0"/>
               <a:t>App</a:t>
@@ -9511,8 +5462,8 @@
         </p:nvSpPr>
         <p:spPr>
           <a:xfrm>
-            <a:off x="8079204" y="2594806"/>
-            <a:ext cx="3031958" cy="1395663"/>
+            <a:off x="1127960" y="3299254"/>
+            <a:ext cx="3031958" cy="2728568"/>
           </a:xfrm>
           <a:prstGeom prst="roundRect">
             <a:avLst/>
@@ -9546,113 +5497,33 @@
             <a:pPr algn="ctr"/>
             <a:r>
               <a:rPr lang="da-DK" sz="3600" smtClean="0"/>
-              <a:t>Entity Framework</a:t>
-            </a:r>
-          </a:p>
-        </p:txBody>
-      </p:sp>
-      <p:sp>
-        <p:nvSpPr>
-          <p:cNvPr id="12" name="Opad-nedadgående pil 11"/>
+              <a:t>Entity </a:t>
+            </a:r>
+            <a:r>
+              <a:rPr lang="da-DK" sz="3600" smtClean="0"/>
+              <a:t>Framework</a:t>
+            </a:r>
+          </a:p>
+          <a:p>
+            <a:pPr algn="ctr"/>
+            <a:r>
+              <a:rPr lang="da-DK" sz="3600" smtClean="0"/>
+              <a:t>(EF Core 2.x)</a:t>
+            </a:r>
+            <a:endParaRPr lang="da-DK" sz="3600" smtClean="0"/>
+          </a:p>
+        </p:txBody>
+      </p:sp>
+      <p:sp>
+        <p:nvSpPr>
+          <p:cNvPr id="13" name="Højre-venstrepil 12"/>
           <p:cNvSpPr/>
           <p:nvPr/>
         </p:nvSpPr>
         <p:spPr>
           <a:xfrm>
-            <a:off x="9228220" y="3830048"/>
-            <a:ext cx="733926" cy="1371603"/>
-          </a:xfrm>
-          <a:prstGeom prst="upDownArrow">
-            <a:avLst/>
-          </a:prstGeom>
-          <a:solidFill>
-            <a:schemeClr val="tx1">
-              <a:lumMod val="65000"/>
-              <a:lumOff val="35000"/>
-            </a:schemeClr>
-          </a:solidFill>
-        </p:spPr>
-        <p:style>
-          <a:lnRef idx="2">
-            <a:schemeClr val="accent1">
-              <a:shade val="50000"/>
-            </a:schemeClr>
-          </a:lnRef>
-          <a:fillRef idx="1">
-            <a:schemeClr val="accent1"/>
-          </a:fillRef>
-          <a:effectRef idx="0">
-            <a:schemeClr val="accent1"/>
-          </a:effectRef>
-          <a:fontRef idx="minor">
-            <a:schemeClr val="lt1"/>
-          </a:fontRef>
-        </p:style>
-        <p:txBody>
-          <a:bodyPr rtlCol="0" anchor="ctr"/>
-          <a:lstStyle/>
-          <a:p>
-            <a:pPr algn="ctr"/>
-            <a:endParaRPr lang="da-DK"/>
-          </a:p>
-        </p:txBody>
-      </p:sp>
-      <p:sp>
-        <p:nvSpPr>
-          <p:cNvPr id="15" name="Opad-nedadgående pil 14"/>
-          <p:cNvSpPr/>
-          <p:nvPr/>
-        </p:nvSpPr>
-        <p:spPr>
-          <a:xfrm>
-            <a:off x="9228220" y="1414709"/>
-            <a:ext cx="733926" cy="1371603"/>
-          </a:xfrm>
-          <a:prstGeom prst="upDownArrow">
-            <a:avLst/>
-          </a:prstGeom>
-          <a:solidFill>
-            <a:schemeClr val="tx1">
-              <a:lumMod val="65000"/>
-              <a:lumOff val="35000"/>
-            </a:schemeClr>
-          </a:solidFill>
-        </p:spPr>
-        <p:style>
-          <a:lnRef idx="2">
-            <a:schemeClr val="accent1">
-              <a:shade val="50000"/>
-            </a:schemeClr>
-          </a:lnRef>
-          <a:fillRef idx="1">
-            <a:schemeClr val="accent1"/>
-          </a:fillRef>
-          <a:effectRef idx="0">
-            <a:schemeClr val="accent1"/>
-          </a:effectRef>
-          <a:fontRef idx="minor">
-            <a:schemeClr val="lt1"/>
-          </a:fontRef>
-        </p:style>
-        <p:txBody>
-          <a:bodyPr rtlCol="0" anchor="ctr"/>
-          <a:lstStyle/>
-          <a:p>
-            <a:pPr algn="ctr"/>
-            <a:endParaRPr lang="da-DK"/>
-          </a:p>
-        </p:txBody>
-      </p:sp>
-      <p:sp>
-        <p:nvSpPr>
-          <p:cNvPr id="6" name="Højre-venstrepil 5"/>
-          <p:cNvSpPr/>
-          <p:nvPr/>
-        </p:nvSpPr>
-        <p:spPr>
-          <a:xfrm>
-            <a:off x="3001879" y="475245"/>
-            <a:ext cx="5263816" cy="866274"/>
+            <a:off x="3935912" y="4230400"/>
+            <a:ext cx="3928879" cy="866274"/>
           </a:xfrm>
           <a:prstGeom prst="leftRightArrow">
             <a:avLst/>
@@ -9687,7 +5558,7 @@
             <a:pPr algn="ctr"/>
             <a:r>
               <a:rPr lang="da-DK" smtClean="0"/>
-              <a:t>HTTP Request/Response</a:t>
+              <a:t>EF Core 2.x</a:t>
             </a:r>
             <a:endParaRPr lang="da-DK"/>
           </a:p>
@@ -9696,7 +5567,7 @@
     </p:spTree>
     <p:extLst>
       <p:ext uri="{BB962C8B-B14F-4D97-AF65-F5344CB8AC3E}">
-        <p14:creationId xmlns:p14="http://schemas.microsoft.com/office/powerpoint/2010/main" val="2336578245"/>
+        <p14:creationId xmlns:p14="http://schemas.microsoft.com/office/powerpoint/2010/main" val="557332500"/>
       </p:ext>
     </p:extLst>
   </p:cSld>
@@ -9750,16 +5621,15 @@
         </p:nvSpPr>
         <p:spPr>
           <a:xfrm>
-            <a:off x="6346658" y="134352"/>
-            <a:ext cx="5528509" cy="6519111"/>
+            <a:off x="7290486" y="415089"/>
+            <a:ext cx="4028303" cy="6068931"/>
           </a:xfrm>
           <a:prstGeom prst="roundRect">
             <a:avLst/>
           </a:prstGeom>
           <a:solidFill>
-            <a:schemeClr val="tx1">
-              <a:lumMod val="75000"/>
-              <a:lumOff val="25000"/>
+            <a:schemeClr val="bg1">
+              <a:lumMod val="50000"/>
             </a:schemeClr>
           </a:solidFill>
           <a:ln>
@@ -9787,18 +5657,18 @@
           </a:fontRef>
         </p:style>
         <p:txBody>
-          <a:bodyPr rtlCol="0" anchor="ctr"/>
-          <a:lstStyle/>
-          <a:p>
-            <a:r>
-              <a:rPr lang="da-DK" sz="3200" smtClean="0">
+          <a:bodyPr rtlCol="0" anchor="t"/>
+          <a:lstStyle/>
+          <a:p>
+            <a:r>
+              <a:rPr lang="da-DK" sz="4800" smtClean="0">
                 <a:solidFill>
                   <a:srgbClr val="FFFF00"/>
                 </a:solidFill>
               </a:rPr>
               <a:t>Azure</a:t>
             </a:r>
-            <a:endParaRPr lang="da-DK" sz="3200">
+            <a:endParaRPr lang="da-DK" sz="4800">
               <a:solidFill>
                 <a:srgbClr val="FFFF00"/>
               </a:solidFill>
@@ -9808,14 +5678,106 @@
       </p:sp>
       <p:sp>
         <p:nvSpPr>
-          <p:cNvPr id="5" name="Afrundet rektangel 4"/>
+          <p:cNvPr id="2" name="Magnetpladelager 1"/>
           <p:cNvSpPr/>
           <p:nvPr/>
         </p:nvSpPr>
         <p:spPr>
           <a:xfrm>
-            <a:off x="8079204" y="210551"/>
-            <a:ext cx="3031958" cy="1395663"/>
+            <a:off x="7685251" y="3854915"/>
+            <a:ext cx="3031958" cy="1617245"/>
+          </a:xfrm>
+          <a:prstGeom prst="flowChartMagneticDisk">
+            <a:avLst/>
+          </a:prstGeom>
+          <a:solidFill>
+            <a:schemeClr val="accent6">
+              <a:lumMod val="75000"/>
+            </a:schemeClr>
+          </a:solidFill>
+        </p:spPr>
+        <p:style>
+          <a:lnRef idx="2">
+            <a:schemeClr val="accent1">
+              <a:shade val="50000"/>
+            </a:schemeClr>
+          </a:lnRef>
+          <a:fillRef idx="1">
+            <a:schemeClr val="accent1"/>
+          </a:fillRef>
+          <a:effectRef idx="0">
+            <a:schemeClr val="accent1"/>
+          </a:effectRef>
+          <a:fontRef idx="minor">
+            <a:schemeClr val="lt1"/>
+          </a:fontRef>
+        </p:style>
+        <p:txBody>
+          <a:bodyPr rtlCol="0" anchor="ctr"/>
+          <a:lstStyle/>
+          <a:p>
+            <a:pPr algn="ctr"/>
+            <a:r>
+              <a:rPr lang="da-DK" sz="3600" smtClean="0"/>
+              <a:t>Database</a:t>
+            </a:r>
+            <a:endParaRPr lang="da-DK" sz="3600"/>
+          </a:p>
+        </p:txBody>
+      </p:sp>
+      <p:sp>
+        <p:nvSpPr>
+          <p:cNvPr id="8" name="Afrundet rektangel 7"/>
+          <p:cNvSpPr/>
+          <p:nvPr/>
+        </p:nvSpPr>
+        <p:spPr>
+          <a:xfrm>
+            <a:off x="751974" y="415089"/>
+            <a:ext cx="3758242" cy="6068931"/>
+          </a:xfrm>
+          <a:prstGeom prst="roundRect">
+            <a:avLst/>
+          </a:prstGeom>
+        </p:spPr>
+        <p:style>
+          <a:lnRef idx="2">
+            <a:schemeClr val="accent1">
+              <a:shade val="50000"/>
+            </a:schemeClr>
+          </a:lnRef>
+          <a:fillRef idx="1">
+            <a:schemeClr val="accent1"/>
+          </a:fillRef>
+          <a:effectRef idx="0">
+            <a:schemeClr val="accent1"/>
+          </a:effectRef>
+          <a:fontRef idx="minor">
+            <a:schemeClr val="lt1"/>
+          </a:fontRef>
+        </p:style>
+        <p:txBody>
+          <a:bodyPr rtlCol="0" anchor="t"/>
+          <a:lstStyle/>
+          <a:p>
+            <a:r>
+              <a:rPr lang="da-DK" sz="4800" smtClean="0"/>
+              <a:t>App</a:t>
+            </a:r>
+            <a:endParaRPr lang="da-DK" sz="4800"/>
+          </a:p>
+        </p:txBody>
+      </p:sp>
+      <p:sp>
+        <p:nvSpPr>
+          <p:cNvPr id="10" name="Afrundet rektangel 9"/>
+          <p:cNvSpPr/>
+          <p:nvPr/>
+        </p:nvSpPr>
+        <p:spPr>
+          <a:xfrm>
+            <a:off x="1015240" y="3468823"/>
+            <a:ext cx="3031958" cy="741342"/>
           </a:xfrm>
           <a:prstGeom prst="roundRect">
             <a:avLst/>
@@ -9846,115 +5808,22 @@
           <a:p>
             <a:pPr algn="ctr"/>
             <a:r>
-              <a:rPr lang="da-DK" sz="3600" smtClean="0"/>
-              <a:t>Web Service</a:t>
-            </a:r>
-          </a:p>
-        </p:txBody>
-      </p:sp>
-      <p:sp>
-        <p:nvSpPr>
-          <p:cNvPr id="2" name="Magnetpladelager 1"/>
+              <a:rPr lang="da-DK" sz="2400" smtClean="0"/>
+              <a:t>Model</a:t>
+            </a:r>
+          </a:p>
+        </p:txBody>
+      </p:sp>
+      <p:sp>
+        <p:nvSpPr>
+          <p:cNvPr id="14" name="Afrundet rektangel 13"/>
           <p:cNvSpPr/>
           <p:nvPr/>
         </p:nvSpPr>
         <p:spPr>
           <a:xfrm>
-            <a:off x="8079204" y="4855745"/>
-            <a:ext cx="3031958" cy="1617245"/>
-          </a:xfrm>
-          <a:prstGeom prst="flowChartMagneticDisk">
-            <a:avLst/>
-          </a:prstGeom>
-          <a:solidFill>
-            <a:schemeClr val="accent6">
-              <a:lumMod val="75000"/>
-            </a:schemeClr>
-          </a:solidFill>
-        </p:spPr>
-        <p:style>
-          <a:lnRef idx="2">
-            <a:schemeClr val="accent1">
-              <a:shade val="50000"/>
-            </a:schemeClr>
-          </a:lnRef>
-          <a:fillRef idx="1">
-            <a:schemeClr val="accent1"/>
-          </a:fillRef>
-          <a:effectRef idx="0">
-            <a:schemeClr val="accent1"/>
-          </a:effectRef>
-          <a:fontRef idx="minor">
-            <a:schemeClr val="lt1"/>
-          </a:fontRef>
-        </p:style>
-        <p:txBody>
-          <a:bodyPr rtlCol="0" anchor="ctr"/>
-          <a:lstStyle/>
-          <a:p>
-            <a:pPr algn="ctr"/>
-            <a:r>
-              <a:rPr lang="da-DK" sz="3600" smtClean="0"/>
-              <a:t>Database</a:t>
-            </a:r>
-            <a:endParaRPr lang="da-DK" sz="3600"/>
-          </a:p>
-        </p:txBody>
-      </p:sp>
-      <p:sp>
-        <p:nvSpPr>
-          <p:cNvPr id="8" name="Afrundet rektangel 7"/>
-          <p:cNvSpPr/>
-          <p:nvPr/>
-        </p:nvSpPr>
-        <p:spPr>
-          <a:xfrm>
-            <a:off x="1124953" y="210552"/>
-            <a:ext cx="2045368" cy="1395663"/>
-          </a:xfrm>
-          <a:prstGeom prst="roundRect">
-            <a:avLst/>
-          </a:prstGeom>
-        </p:spPr>
-        <p:style>
-          <a:lnRef idx="2">
-            <a:schemeClr val="accent1">
-              <a:shade val="50000"/>
-            </a:schemeClr>
-          </a:lnRef>
-          <a:fillRef idx="1">
-            <a:schemeClr val="accent1"/>
-          </a:fillRef>
-          <a:effectRef idx="0">
-            <a:schemeClr val="accent1"/>
-          </a:effectRef>
-          <a:fontRef idx="minor">
-            <a:schemeClr val="lt1"/>
-          </a:fontRef>
-        </p:style>
-        <p:txBody>
-          <a:bodyPr rtlCol="0" anchor="ctr"/>
-          <a:lstStyle/>
-          <a:p>
-            <a:pPr algn="ctr"/>
-            <a:r>
-              <a:rPr lang="da-DK" sz="4800" smtClean="0"/>
-              <a:t>App</a:t>
-            </a:r>
-            <a:endParaRPr lang="da-DK" sz="4800"/>
-          </a:p>
-        </p:txBody>
-      </p:sp>
-      <p:sp>
-        <p:nvSpPr>
-          <p:cNvPr id="11" name="Afrundet rektangel 10"/>
-          <p:cNvSpPr/>
-          <p:nvPr/>
-        </p:nvSpPr>
-        <p:spPr>
-          <a:xfrm>
-            <a:off x="8079204" y="2594806"/>
-            <a:ext cx="3031958" cy="1395663"/>
+            <a:off x="1035703" y="4510905"/>
+            <a:ext cx="3031958" cy="741342"/>
           </a:xfrm>
           <a:prstGeom prst="roundRect">
             <a:avLst/>
@@ -9987,7 +5856,7 @@
           <a:p>
             <a:pPr algn="ctr"/>
             <a:r>
-              <a:rPr lang="da-DK" sz="3600" smtClean="0"/>
+              <a:rPr lang="da-DK" sz="2400" smtClean="0"/>
               <a:t>Entity Framework</a:t>
             </a:r>
           </a:p>
@@ -9995,14 +5864,115 @@
       </p:sp>
       <p:sp>
         <p:nvSpPr>
-          <p:cNvPr id="12" name="Opad-nedadgående pil 11"/>
+          <p:cNvPr id="15" name="Afrundet rektangel 14"/>
           <p:cNvSpPr/>
           <p:nvPr/>
         </p:nvSpPr>
         <p:spPr>
           <a:xfrm>
-            <a:off x="9228220" y="3830048"/>
-            <a:ext cx="733926" cy="1371603"/>
+            <a:off x="1047279" y="2537790"/>
+            <a:ext cx="3031958" cy="741342"/>
+          </a:xfrm>
+          <a:prstGeom prst="roundRect">
+            <a:avLst/>
+          </a:prstGeom>
+          <a:solidFill>
+            <a:schemeClr val="accent4">
+              <a:lumMod val="75000"/>
+            </a:schemeClr>
+          </a:solidFill>
+        </p:spPr>
+        <p:style>
+          <a:lnRef idx="2">
+            <a:schemeClr val="accent1">
+              <a:shade val="50000"/>
+            </a:schemeClr>
+          </a:lnRef>
+          <a:fillRef idx="1">
+            <a:schemeClr val="accent1"/>
+          </a:fillRef>
+          <a:effectRef idx="0">
+            <a:schemeClr val="accent1"/>
+          </a:effectRef>
+          <a:fontRef idx="minor">
+            <a:schemeClr val="lt1"/>
+          </a:fontRef>
+        </p:style>
+        <p:txBody>
+          <a:bodyPr rtlCol="0" anchor="ctr"/>
+          <a:lstStyle/>
+          <a:p>
+            <a:pPr algn="ctr"/>
+            <a:r>
+              <a:rPr lang="da-DK" sz="2400" smtClean="0"/>
+              <a:t>ViewModel</a:t>
+            </a:r>
+          </a:p>
+        </p:txBody>
+      </p:sp>
+      <p:sp>
+        <p:nvSpPr>
+          <p:cNvPr id="16" name="Afrundet rektangel 15"/>
+          <p:cNvSpPr/>
+          <p:nvPr/>
+        </p:nvSpPr>
+        <p:spPr>
+          <a:xfrm>
+            <a:off x="1047279" y="1606757"/>
+            <a:ext cx="3031958" cy="741342"/>
+          </a:xfrm>
+          <a:prstGeom prst="roundRect">
+            <a:avLst/>
+          </a:prstGeom>
+          <a:solidFill>
+            <a:schemeClr val="accent4">
+              <a:lumMod val="60000"/>
+              <a:lumOff val="40000"/>
+            </a:schemeClr>
+          </a:solidFill>
+        </p:spPr>
+        <p:style>
+          <a:lnRef idx="2">
+            <a:schemeClr val="accent1">
+              <a:shade val="50000"/>
+            </a:schemeClr>
+          </a:lnRef>
+          <a:fillRef idx="1">
+            <a:schemeClr val="accent1"/>
+          </a:fillRef>
+          <a:effectRef idx="0">
+            <a:schemeClr val="accent1"/>
+          </a:effectRef>
+          <a:fontRef idx="minor">
+            <a:schemeClr val="lt1"/>
+          </a:fontRef>
+        </p:style>
+        <p:txBody>
+          <a:bodyPr rtlCol="0" anchor="ctr"/>
+          <a:lstStyle/>
+          <a:p>
+            <a:pPr algn="ctr"/>
+            <a:r>
+              <a:rPr lang="da-DK" sz="2400" smtClean="0">
+                <a:solidFill>
+                  <a:schemeClr val="tx1"/>
+                </a:solidFill>
+              </a:rPr>
+              <a:t>View</a:t>
+            </a:r>
+          </a:p>
+        </p:txBody>
+      </p:sp>
+      <p:sp>
+        <p:nvSpPr>
+          <p:cNvPr id="17" name="Opad-nedadgående pil 16"/>
+          <p:cNvSpPr/>
+          <p:nvPr/>
+        </p:nvSpPr>
+        <p:spPr>
+          <a:xfrm>
+            <a:off x="2396094" y="3069552"/>
+            <a:ext cx="339212" cy="608852"/>
           </a:xfrm>
           <a:prstGeom prst="upDownArrow">
             <a:avLst/>
@@ -10041,14 +6011,14 @@
       </p:sp>
       <p:sp>
         <p:nvSpPr>
-          <p:cNvPr id="15" name="Opad-nedadgående pil 14"/>
+          <p:cNvPr id="18" name="Opad-nedadgående pil 17"/>
           <p:cNvSpPr/>
           <p:nvPr/>
         </p:nvSpPr>
         <p:spPr>
           <a:xfrm>
-            <a:off x="9228220" y="1414709"/>
-            <a:ext cx="733926" cy="1371603"/>
+            <a:off x="2392960" y="2152172"/>
+            <a:ext cx="339212" cy="608852"/>
           </a:xfrm>
           <a:prstGeom prst="upDownArrow">
             <a:avLst/>
@@ -10087,14 +6057,60 @@
       </p:sp>
       <p:sp>
         <p:nvSpPr>
-          <p:cNvPr id="6" name="Højre-venstrepil 5"/>
+          <p:cNvPr id="19" name="Opad-nedadgående pil 18"/>
           <p:cNvSpPr/>
           <p:nvPr/>
         </p:nvSpPr>
         <p:spPr>
           <a:xfrm>
-            <a:off x="3001879" y="475245"/>
-            <a:ext cx="5263816" cy="866274"/>
+            <a:off x="2382076" y="4054685"/>
+            <a:ext cx="339212" cy="608852"/>
+          </a:xfrm>
+          <a:prstGeom prst="upDownArrow">
+            <a:avLst/>
+          </a:prstGeom>
+          <a:solidFill>
+            <a:schemeClr val="tx1">
+              <a:lumMod val="65000"/>
+              <a:lumOff val="35000"/>
+            </a:schemeClr>
+          </a:solidFill>
+        </p:spPr>
+        <p:style>
+          <a:lnRef idx="2">
+            <a:schemeClr val="accent1">
+              <a:shade val="50000"/>
+            </a:schemeClr>
+          </a:lnRef>
+          <a:fillRef idx="1">
+            <a:schemeClr val="accent1"/>
+          </a:fillRef>
+          <a:effectRef idx="0">
+            <a:schemeClr val="accent1"/>
+          </a:effectRef>
+          <a:fontRef idx="minor">
+            <a:schemeClr val="lt1"/>
+          </a:fontRef>
+        </p:style>
+        <p:txBody>
+          <a:bodyPr rtlCol="0" anchor="ctr"/>
+          <a:lstStyle/>
+          <a:p>
+            <a:pPr algn="ctr"/>
+            <a:endParaRPr lang="da-DK"/>
+          </a:p>
+        </p:txBody>
+      </p:sp>
+      <p:sp>
+        <p:nvSpPr>
+          <p:cNvPr id="20" name="Højre-venstrepil 19"/>
+          <p:cNvSpPr/>
+          <p:nvPr/>
+        </p:nvSpPr>
+        <p:spPr>
+          <a:xfrm>
+            <a:off x="3935912" y="4428765"/>
+            <a:ext cx="3928879" cy="866274"/>
           </a:xfrm>
           <a:prstGeom prst="leftRightArrow">
             <a:avLst/>
@@ -10129,7 +6145,7 @@
             <a:pPr algn="ctr"/>
             <a:r>
               <a:rPr lang="da-DK" smtClean="0"/>
-              <a:t>HTTP Request/Response</a:t>
+              <a:t>EF Core 2.x</a:t>
             </a:r>
             <a:endParaRPr lang="da-DK"/>
           </a:p>
@@ -10138,7 +6154,7 @@
     </p:spTree>
     <p:extLst>
       <p:ext uri="{BB962C8B-B14F-4D97-AF65-F5344CB8AC3E}">
-        <p14:creationId xmlns:p14="http://schemas.microsoft.com/office/powerpoint/2010/main" val="3800716097"/>
+        <p14:creationId xmlns:p14="http://schemas.microsoft.com/office/powerpoint/2010/main" val="3233078498"/>
       </p:ext>
     </p:extLst>
   </p:cSld>
